--- a/text/Doklad.pptx
+++ b/text/Doklad.pptx
@@ -5,21 +5,22 @@
     <p:sldMasterId id="2147483684" r:id="rId1"/>
   </p:sldMasterIdLst>
   <p:notesMasterIdLst>
-    <p:notesMasterId r:id="rId14"/>
+    <p:notesMasterId r:id="rId15"/>
   </p:notesMasterIdLst>
   <p:sldIdLst>
     <p:sldId id="256" r:id="rId2"/>
     <p:sldId id="315" r:id="rId3"/>
     <p:sldId id="258" r:id="rId4"/>
-    <p:sldId id="322" r:id="rId5"/>
-    <p:sldId id="262" r:id="rId6"/>
-    <p:sldId id="317" r:id="rId7"/>
-    <p:sldId id="321" r:id="rId8"/>
-    <p:sldId id="320" r:id="rId9"/>
-    <p:sldId id="319" r:id="rId10"/>
-    <p:sldId id="323" r:id="rId11"/>
-    <p:sldId id="316" r:id="rId12"/>
-    <p:sldId id="292" r:id="rId13"/>
+    <p:sldId id="317" r:id="rId5"/>
+    <p:sldId id="321" r:id="rId6"/>
+    <p:sldId id="324" r:id="rId7"/>
+    <p:sldId id="327" r:id="rId8"/>
+    <p:sldId id="319" r:id="rId9"/>
+    <p:sldId id="326" r:id="rId10"/>
+    <p:sldId id="325" r:id="rId11"/>
+    <p:sldId id="323" r:id="rId12"/>
+    <p:sldId id="316" r:id="rId13"/>
+    <p:sldId id="292" r:id="rId14"/>
   </p:sldIdLst>
   <p:sldSz cx="9144000" cy="6858000" type="screen4x3"/>
   <p:notesSz cx="6858000" cy="9144000"/>
@@ -204,7 +205,7 @@
             <a:fld id="{7C075AD1-C7BB-4C3C-B041-702E506F3684}" type="datetimeFigureOut">
               <a:rPr lang="ru-RU" smtClean="0"/>
               <a:pPr/>
-              <a:t>05.06.2016</a:t>
+              <a:t>26.06.2016</a:t>
             </a:fld>
             <a:endParaRPr lang="ru-RU"/>
           </a:p>
@@ -721,7 +722,7 @@
             <a:fld id="{5AB9025B-B2E3-4765-BBAD-F4B87C024099}" type="datetime1">
               <a:rPr lang="ru-RU" smtClean="0"/>
               <a:pPr/>
-              <a:t>05.06.2016</a:t>
+              <a:t>26.06.2016</a:t>
             </a:fld>
             <a:endParaRPr lang="ru-RU"/>
           </a:p>
@@ -888,7 +889,7 @@
             <a:fld id="{187E0295-6CA2-47B0-8454-EC2927B6B459}" type="datetime1">
               <a:rPr lang="ru-RU" smtClean="0"/>
               <a:pPr/>
-              <a:t>05.06.2016</a:t>
+              <a:t>26.06.2016</a:t>
             </a:fld>
             <a:endParaRPr lang="ru-RU"/>
           </a:p>
@@ -1065,7 +1066,7 @@
             <a:fld id="{3CB152B4-C302-4694-AE4F-83A6FC653901}" type="datetime1">
               <a:rPr lang="ru-RU" smtClean="0"/>
               <a:pPr/>
-              <a:t>05.06.2016</a:t>
+              <a:t>26.06.2016</a:t>
             </a:fld>
             <a:endParaRPr lang="ru-RU"/>
           </a:p>
@@ -1232,7 +1233,7 @@
             <a:fld id="{22F47013-DD95-49DD-8944-BBB06EB06E2E}" type="datetime1">
               <a:rPr lang="ru-RU" smtClean="0"/>
               <a:pPr/>
-              <a:t>05.06.2016</a:t>
+              <a:t>26.06.2016</a:t>
             </a:fld>
             <a:endParaRPr lang="ru-RU"/>
           </a:p>
@@ -1471,7 +1472,7 @@
             <a:fld id="{DB2863B1-278F-498A-99A5-A5D4B6872BAD}" type="datetime1">
               <a:rPr lang="ru-RU" smtClean="0"/>
               <a:pPr/>
-              <a:t>05.06.2016</a:t>
+              <a:t>26.06.2016</a:t>
             </a:fld>
             <a:endParaRPr lang="ru-RU"/>
           </a:p>
@@ -1737,7 +1738,7 @@
             <a:fld id="{6AF26596-A627-4764-A736-286405C24B3F}" type="datetime1">
               <a:rPr lang="ru-RU" smtClean="0"/>
               <a:pPr/>
-              <a:t>05.06.2016</a:t>
+              <a:t>26.06.2016</a:t>
             </a:fld>
             <a:endParaRPr lang="ru-RU"/>
           </a:p>
@@ -2117,7 +2118,7 @@
             <a:fld id="{E4D3AEA0-1655-457D-9C7A-05A7F60E2B2D}" type="datetime1">
               <a:rPr lang="ru-RU" smtClean="0"/>
               <a:pPr/>
-              <a:t>05.06.2016</a:t>
+              <a:t>26.06.2016</a:t>
             </a:fld>
             <a:endParaRPr lang="ru-RU"/>
           </a:p>
@@ -2269,7 +2270,7 @@
             <a:fld id="{1EF6F212-F968-459A-8EB0-7F59C4961448}" type="datetime1">
               <a:rPr lang="ru-RU" smtClean="0"/>
               <a:pPr/>
-              <a:t>05.06.2016</a:t>
+              <a:t>26.06.2016</a:t>
             </a:fld>
             <a:endParaRPr lang="ru-RU"/>
           </a:p>
@@ -2361,7 +2362,7 @@
             <a:fld id="{EBD5AA18-94BC-4C71-B1EE-C7258C74159F}" type="datetime1">
               <a:rPr lang="ru-RU" smtClean="0"/>
               <a:pPr/>
-              <a:t>05.06.2016</a:t>
+              <a:t>26.06.2016</a:t>
             </a:fld>
             <a:endParaRPr lang="ru-RU"/>
           </a:p>
@@ -2624,7 +2625,7 @@
             <a:fld id="{ACA692D2-7D53-4B2E-B076-9C0830FA98D1}" type="datetime1">
               <a:rPr lang="ru-RU" smtClean="0"/>
               <a:pPr/>
-              <a:t>05.06.2016</a:t>
+              <a:t>26.06.2016</a:t>
             </a:fld>
             <a:endParaRPr lang="ru-RU"/>
           </a:p>
@@ -2914,7 +2915,7 @@
             <a:fld id="{65A3E6D5-A82A-4C40-A3D5-48D748833E72}" type="datetime1">
               <a:rPr lang="ru-RU" smtClean="0"/>
               <a:pPr/>
-              <a:t>05.06.2016</a:t>
+              <a:t>26.06.2016</a:t>
             </a:fld>
             <a:endParaRPr lang="ru-RU"/>
           </a:p>
@@ -3690,7 +3691,7 @@
             <a:fld id="{DBC19F14-0F2F-4716-BA08-FCE1D3CE7C90}" type="datetime1">
               <a:rPr lang="ru-RU" smtClean="0"/>
               <a:pPr/>
-              <a:t>05.06.2016</a:t>
+              <a:t>26.06.2016</a:t>
             </a:fld>
             <a:endParaRPr lang="ru-RU"/>
           </a:p>
@@ -5201,6 +5202,838 @@
               <a:pPr/>
               <a:t>10</a:t>
             </a:fld>
+            <a:endParaRPr lang="ru-RU" dirty="0"/>
+          </a:p>
+        </p:txBody>
+      </p:sp>
+      <p:sp>
+        <p:nvSpPr>
+          <p:cNvPr id="4098" name="Rectangle 2"/>
+          <p:cNvSpPr>
+            <a:spLocks noChangeArrowheads="1"/>
+          </p:cNvSpPr>
+          <p:nvPr/>
+        </p:nvSpPr>
+        <p:spPr bwMode="auto">
+          <a:xfrm>
+            <a:off x="0" y="0"/>
+            <a:ext cx="9144000" cy="457200"/>
+          </a:xfrm>
+          <a:prstGeom prst="rect">
+            <a:avLst/>
+          </a:prstGeom>
+          <a:noFill/>
+          <a:ln w="9525">
+            <a:noFill/>
+            <a:miter lim="800000"/>
+            <a:headEnd/>
+            <a:tailEnd/>
+          </a:ln>
+          <a:effectLst/>
+        </p:spPr>
+        <p:txBody>
+          <a:bodyPr vert="horz" wrap="none" lIns="91440" tIns="45720" rIns="91440" bIns="45720" numCol="1" anchor="ctr" anchorCtr="0" compatLnSpc="1">
+            <a:prstTxWarp prst="textNoShape">
+              <a:avLst/>
+            </a:prstTxWarp>
+            <a:spAutoFit/>
+          </a:bodyPr>
+          <a:lstStyle/>
+          <a:p>
+            <a:endParaRPr lang="ru-RU"/>
+          </a:p>
+        </p:txBody>
+      </p:sp>
+      <p:sp>
+        <p:nvSpPr>
+          <p:cNvPr id="4099" name="Rectangle 3"/>
+          <p:cNvSpPr>
+            <a:spLocks noChangeArrowheads="1"/>
+          </p:cNvSpPr>
+          <p:nvPr/>
+        </p:nvSpPr>
+        <p:spPr bwMode="auto">
+          <a:xfrm>
+            <a:off x="0" y="1085850"/>
+            <a:ext cx="9144000" cy="0"/>
+          </a:xfrm>
+          <a:prstGeom prst="rect">
+            <a:avLst/>
+          </a:prstGeom>
+          <a:noFill/>
+          <a:ln w="9525">
+            <a:noFill/>
+            <a:miter lim="800000"/>
+            <a:headEnd/>
+            <a:tailEnd/>
+          </a:ln>
+          <a:effectLst/>
+        </p:spPr>
+        <p:txBody>
+          <a:bodyPr vert="horz" wrap="none" lIns="91440" tIns="45720" rIns="91440" bIns="45720" numCol="1" anchor="ctr" anchorCtr="0" compatLnSpc="1">
+            <a:prstTxWarp prst="textNoShape">
+              <a:avLst/>
+            </a:prstTxWarp>
+            <a:spAutoFit/>
+          </a:bodyPr>
+          <a:lstStyle/>
+          <a:p>
+            <a:pPr marL="0" marR="0" lvl="0" indent="0" algn="l" defTabSz="914400" rtl="0" eaLnBrk="1" fontAlgn="base" latinLnBrk="0" hangingPunct="1">
+              <a:lnSpc>
+                <a:spcPct val="100000"/>
+              </a:lnSpc>
+              <a:spcBef>
+                <a:spcPct val="0"/>
+              </a:spcBef>
+              <a:spcAft>
+                <a:spcPct val="0"/>
+              </a:spcAft>
+              <a:buClrTx/>
+              <a:buSzTx/>
+              <a:buFontTx/>
+              <a:buNone/>
+              <a:tabLst/>
+            </a:pPr>
+            <a:endParaRPr kumimoji="0" lang="ru-RU" sz="1800" b="0" i="0" u="none" strike="noStrike" cap="none" normalizeH="0" baseline="0" smtClean="0">
+              <a:ln>
+                <a:noFill/>
+              </a:ln>
+              <a:solidFill>
+                <a:schemeClr val="tx1"/>
+              </a:solidFill>
+              <a:effectLst/>
+              <a:latin typeface="Arial" pitchFamily="34" charset="0"/>
+              <a:cs typeface="Arial" pitchFamily="34" charset="0"/>
+            </a:endParaRPr>
+          </a:p>
+        </p:txBody>
+      </p:sp>
+      <p:sp>
+        <p:nvSpPr>
+          <p:cNvPr id="4101" name="Rectangle 5"/>
+          <p:cNvSpPr>
+            <a:spLocks noChangeArrowheads="1"/>
+          </p:cNvSpPr>
+          <p:nvPr/>
+        </p:nvSpPr>
+        <p:spPr bwMode="auto">
+          <a:xfrm>
+            <a:off x="0" y="0"/>
+            <a:ext cx="9144000" cy="0"/>
+          </a:xfrm>
+          <a:prstGeom prst="rect">
+            <a:avLst/>
+          </a:prstGeom>
+          <a:noFill/>
+          <a:ln w="9525">
+            <a:noFill/>
+            <a:miter lim="800000"/>
+            <a:headEnd/>
+            <a:tailEnd/>
+          </a:ln>
+          <a:effectLst/>
+        </p:spPr>
+        <p:txBody>
+          <a:bodyPr vert="horz" wrap="none" lIns="91440" tIns="45720" rIns="91440" bIns="45720" numCol="1" anchor="ctr" anchorCtr="0" compatLnSpc="1">
+            <a:prstTxWarp prst="textNoShape">
+              <a:avLst/>
+            </a:prstTxWarp>
+            <a:spAutoFit/>
+          </a:bodyPr>
+          <a:lstStyle/>
+          <a:p>
+            <a:endParaRPr lang="ru-RU"/>
+          </a:p>
+        </p:txBody>
+      </p:sp>
+      <p:sp>
+        <p:nvSpPr>
+          <p:cNvPr id="4108" name="Rectangle 12"/>
+          <p:cNvSpPr>
+            <a:spLocks noChangeArrowheads="1"/>
+          </p:cNvSpPr>
+          <p:nvPr/>
+        </p:nvSpPr>
+        <p:spPr bwMode="auto">
+          <a:xfrm>
+            <a:off x="0" y="0"/>
+            <a:ext cx="9144000" cy="457200"/>
+          </a:xfrm>
+          <a:prstGeom prst="rect">
+            <a:avLst/>
+          </a:prstGeom>
+          <a:noFill/>
+          <a:ln w="9525">
+            <a:noFill/>
+            <a:miter lim="800000"/>
+            <a:headEnd/>
+            <a:tailEnd/>
+          </a:ln>
+          <a:effectLst/>
+        </p:spPr>
+        <p:txBody>
+          <a:bodyPr vert="horz" wrap="none" lIns="91440" tIns="45720" rIns="91440" bIns="45720" numCol="1" anchor="ctr" anchorCtr="0" compatLnSpc="1">
+            <a:prstTxWarp prst="textNoShape">
+              <a:avLst/>
+            </a:prstTxWarp>
+            <a:spAutoFit/>
+          </a:bodyPr>
+          <a:lstStyle/>
+          <a:p>
+            <a:endParaRPr lang="ru-RU"/>
+          </a:p>
+        </p:txBody>
+      </p:sp>
+      <p:sp>
+        <p:nvSpPr>
+          <p:cNvPr id="4109" name="Rectangle 13"/>
+          <p:cNvSpPr>
+            <a:spLocks noChangeArrowheads="1"/>
+          </p:cNvSpPr>
+          <p:nvPr/>
+        </p:nvSpPr>
+        <p:spPr bwMode="auto">
+          <a:xfrm>
+            <a:off x="677863" y="733425"/>
+            <a:ext cx="9144000" cy="0"/>
+          </a:xfrm>
+          <a:prstGeom prst="rect">
+            <a:avLst/>
+          </a:prstGeom>
+          <a:noFill/>
+          <a:ln w="9525">
+            <a:noFill/>
+            <a:miter lim="800000"/>
+            <a:headEnd/>
+            <a:tailEnd/>
+          </a:ln>
+          <a:effectLst/>
+        </p:spPr>
+        <p:txBody>
+          <a:bodyPr vert="horz" wrap="none" lIns="91440" tIns="45720" rIns="91440" bIns="45720" numCol="1" anchor="ctr" anchorCtr="0" compatLnSpc="1">
+            <a:prstTxWarp prst="textNoShape">
+              <a:avLst/>
+            </a:prstTxWarp>
+            <a:spAutoFit/>
+          </a:bodyPr>
+          <a:lstStyle/>
+          <a:p>
+            <a:pPr marL="0" marR="0" lvl="0" indent="0" algn="l" defTabSz="914400" rtl="0" eaLnBrk="1" fontAlgn="base" latinLnBrk="0" hangingPunct="1">
+              <a:lnSpc>
+                <a:spcPct val="100000"/>
+              </a:lnSpc>
+              <a:spcBef>
+                <a:spcPct val="0"/>
+              </a:spcBef>
+              <a:spcAft>
+                <a:spcPct val="0"/>
+              </a:spcAft>
+              <a:buClrTx/>
+              <a:buSzTx/>
+              <a:buFontTx/>
+              <a:buNone/>
+              <a:tabLst/>
+            </a:pPr>
+            <a:endParaRPr kumimoji="0" lang="ru-RU" sz="1800" b="0" i="0" u="none" strike="noStrike" cap="none" normalizeH="0" baseline="0" smtClean="0">
+              <a:ln>
+                <a:noFill/>
+              </a:ln>
+              <a:solidFill>
+                <a:schemeClr val="tx1"/>
+              </a:solidFill>
+              <a:effectLst/>
+              <a:latin typeface="Arial" pitchFamily="34" charset="0"/>
+              <a:cs typeface="Arial" pitchFamily="34" charset="0"/>
+            </a:endParaRPr>
+          </a:p>
+        </p:txBody>
+      </p:sp>
+      <p:sp>
+        <p:nvSpPr>
+          <p:cNvPr id="4111" name="Rectangle 15"/>
+          <p:cNvSpPr>
+            <a:spLocks noChangeArrowheads="1"/>
+          </p:cNvSpPr>
+          <p:nvPr/>
+        </p:nvSpPr>
+        <p:spPr bwMode="auto">
+          <a:xfrm>
+            <a:off x="0" y="0"/>
+            <a:ext cx="9144000" cy="0"/>
+          </a:xfrm>
+          <a:prstGeom prst="rect">
+            <a:avLst/>
+          </a:prstGeom>
+          <a:noFill/>
+          <a:ln w="9525">
+            <a:noFill/>
+            <a:miter lim="800000"/>
+            <a:headEnd/>
+            <a:tailEnd/>
+          </a:ln>
+          <a:effectLst/>
+        </p:spPr>
+        <p:txBody>
+          <a:bodyPr vert="horz" wrap="none" lIns="91440" tIns="45720" rIns="91440" bIns="45720" numCol="1" anchor="ctr" anchorCtr="0" compatLnSpc="1">
+            <a:prstTxWarp prst="textNoShape">
+              <a:avLst/>
+            </a:prstTxWarp>
+            <a:spAutoFit/>
+          </a:bodyPr>
+          <a:lstStyle/>
+          <a:p>
+            <a:endParaRPr lang="ru-RU"/>
+          </a:p>
+        </p:txBody>
+      </p:sp>
+      <p:sp>
+        <p:nvSpPr>
+          <p:cNvPr id="21" name="Прямоугольник 20"/>
+          <p:cNvSpPr/>
+          <p:nvPr/>
+        </p:nvSpPr>
+        <p:spPr>
+          <a:xfrm>
+            <a:off x="971600" y="404664"/>
+            <a:ext cx="7173694" cy="1077218"/>
+          </a:xfrm>
+          <a:prstGeom prst="rect">
+            <a:avLst/>
+          </a:prstGeom>
+        </p:spPr>
+        <p:txBody>
+          <a:bodyPr wrap="none">
+            <a:spAutoFit/>
+          </a:bodyPr>
+          <a:lstStyle/>
+          <a:p>
+            <a:pPr algn="ctr"/>
+            <a:r>
+              <a:rPr lang="ru-RU" sz="3200" b="1" dirty="0" smtClean="0">
+                <a:ln w="12700" cmpd="sng">
+                  <a:solidFill>
+                    <a:schemeClr val="tx1">
+                      <a:lumMod val="95000"/>
+                      <a:lumOff val="5000"/>
+                    </a:schemeClr>
+                  </a:solidFill>
+                  <a:prstDash val="solid"/>
+                </a:ln>
+                <a:solidFill>
+                  <a:schemeClr val="bg1">
+                    <a:lumMod val="50000"/>
+                  </a:schemeClr>
+                </a:solidFill>
+                <a:effectLst>
+                  <a:outerShdw blurRad="41275" dist="12700" dir="12000000" algn="tl" rotWithShape="0">
+                    <a:srgbClr val="000000">
+                      <a:alpha val="40000"/>
+                    </a:srgbClr>
+                  </a:outerShdw>
+                  <a:reflection blurRad="6350" stA="55000" endA="300" endPos="45500" dir="5400000" sy="-100000" algn="bl" rotWithShape="0"/>
+                </a:effectLst>
+                <a:latin typeface="Arial" pitchFamily="34" charset="0"/>
+                <a:cs typeface="Arial" pitchFamily="34" charset="0"/>
+              </a:rPr>
+              <a:t>Получение точек лица с помощью</a:t>
+            </a:r>
+          </a:p>
+          <a:p>
+            <a:pPr algn="ctr"/>
+            <a:r>
+              <a:rPr lang="ru-RU" sz="3200" b="1" dirty="0" smtClean="0">
+                <a:ln w="12700" cmpd="sng">
+                  <a:solidFill>
+                    <a:schemeClr val="tx1">
+                      <a:lumMod val="95000"/>
+                      <a:lumOff val="5000"/>
+                    </a:schemeClr>
+                  </a:solidFill>
+                  <a:prstDash val="solid"/>
+                </a:ln>
+                <a:solidFill>
+                  <a:schemeClr val="bg1">
+                    <a:lumMod val="50000"/>
+                  </a:schemeClr>
+                </a:solidFill>
+                <a:effectLst>
+                  <a:outerShdw blurRad="41275" dist="12700" dir="12000000" algn="tl" rotWithShape="0">
+                    <a:srgbClr val="000000">
+                      <a:alpha val="40000"/>
+                    </a:srgbClr>
+                  </a:outerShdw>
+                  <a:reflection blurRad="6350" stA="55000" endA="300" endPos="45500" dir="5400000" sy="-100000" algn="bl" rotWithShape="0"/>
+                </a:effectLst>
+                <a:latin typeface="Arial" pitchFamily="34" charset="0"/>
+                <a:cs typeface="Arial" pitchFamily="34" charset="0"/>
+              </a:rPr>
+              <a:t>сверточной нейронной сети</a:t>
+            </a:r>
+            <a:endParaRPr lang="ru-RU" sz="3200" dirty="0"/>
+          </a:p>
+        </p:txBody>
+      </p:sp>
+      <p:sp>
+        <p:nvSpPr>
+          <p:cNvPr id="27650" name="Rectangle 2"/>
+          <p:cNvSpPr>
+            <a:spLocks noChangeArrowheads="1"/>
+          </p:cNvSpPr>
+          <p:nvPr/>
+        </p:nvSpPr>
+        <p:spPr bwMode="auto">
+          <a:xfrm>
+            <a:off x="0" y="0"/>
+            <a:ext cx="9144000" cy="0"/>
+          </a:xfrm>
+          <a:prstGeom prst="rect">
+            <a:avLst/>
+          </a:prstGeom>
+          <a:noFill/>
+          <a:ln w="9525">
+            <a:noFill/>
+            <a:miter lim="800000"/>
+            <a:headEnd/>
+            <a:tailEnd/>
+          </a:ln>
+          <a:effectLst/>
+        </p:spPr>
+        <p:txBody>
+          <a:bodyPr vert="horz" wrap="none" lIns="91440" tIns="45720" rIns="91440" bIns="45720" numCol="1" anchor="ctr" anchorCtr="0" compatLnSpc="1">
+            <a:prstTxWarp prst="textNoShape">
+              <a:avLst/>
+            </a:prstTxWarp>
+            <a:spAutoFit/>
+          </a:bodyPr>
+          <a:lstStyle/>
+          <a:p>
+            <a:endParaRPr lang="ru-RU"/>
+          </a:p>
+        </p:txBody>
+      </p:sp>
+      <p:pic>
+        <p:nvPicPr>
+          <p:cNvPr id="27649" name="Picture 1"/>
+          <p:cNvPicPr>
+            <a:picLocks noChangeAspect="1" noChangeArrowheads="1"/>
+          </p:cNvPicPr>
+          <p:nvPr/>
+        </p:nvPicPr>
+        <p:blipFill>
+          <a:blip r:embed="rId2" cstate="print">
+            <a:clrChange>
+              <a:clrFrom>
+                <a:srgbClr val="FFFFFF"/>
+              </a:clrFrom>
+              <a:clrTo>
+                <a:srgbClr val="FFFFFF">
+                  <a:alpha val="0"/>
+                </a:srgbClr>
+              </a:clrTo>
+            </a:clrChange>
+          </a:blip>
+          <a:srcRect/>
+          <a:stretch>
+            <a:fillRect/>
+          </a:stretch>
+        </p:blipFill>
+        <p:spPr bwMode="auto">
+          <a:xfrm>
+            <a:off x="2987824" y="4365104"/>
+            <a:ext cx="3190875" cy="809625"/>
+          </a:xfrm>
+          <a:prstGeom prst="rect">
+            <a:avLst/>
+          </a:prstGeom>
+          <a:noFill/>
+        </p:spPr>
+      </p:pic>
+      <p:sp>
+        <p:nvSpPr>
+          <p:cNvPr id="27652" name="Rectangle 4"/>
+          <p:cNvSpPr>
+            <a:spLocks noChangeArrowheads="1"/>
+          </p:cNvSpPr>
+          <p:nvPr/>
+        </p:nvSpPr>
+        <p:spPr bwMode="auto">
+          <a:xfrm>
+            <a:off x="0" y="0"/>
+            <a:ext cx="9144000" cy="0"/>
+          </a:xfrm>
+          <a:prstGeom prst="rect">
+            <a:avLst/>
+          </a:prstGeom>
+          <a:noFill/>
+          <a:ln w="9525">
+            <a:noFill/>
+            <a:miter lim="800000"/>
+            <a:headEnd/>
+            <a:tailEnd/>
+          </a:ln>
+          <a:effectLst/>
+        </p:spPr>
+        <p:txBody>
+          <a:bodyPr vert="horz" wrap="none" lIns="91440" tIns="45720" rIns="91440" bIns="45720" numCol="1" anchor="ctr" anchorCtr="0" compatLnSpc="1">
+            <a:prstTxWarp prst="textNoShape">
+              <a:avLst/>
+            </a:prstTxWarp>
+            <a:spAutoFit/>
+          </a:bodyPr>
+          <a:lstStyle/>
+          <a:p>
+            <a:endParaRPr lang="ru-RU"/>
+          </a:p>
+        </p:txBody>
+      </p:sp>
+      <p:pic>
+        <p:nvPicPr>
+          <p:cNvPr id="27651" name="Picture 3"/>
+          <p:cNvPicPr>
+            <a:picLocks noChangeAspect="1" noChangeArrowheads="1"/>
+          </p:cNvPicPr>
+          <p:nvPr/>
+        </p:nvPicPr>
+        <p:blipFill>
+          <a:blip r:embed="rId3" cstate="print">
+            <a:clrChange>
+              <a:clrFrom>
+                <a:srgbClr val="FFFFFF"/>
+              </a:clrFrom>
+              <a:clrTo>
+                <a:srgbClr val="FFFFFF">
+                  <a:alpha val="0"/>
+                </a:srgbClr>
+              </a:clrTo>
+            </a:clrChange>
+          </a:blip>
+          <a:srcRect/>
+          <a:stretch>
+            <a:fillRect/>
+          </a:stretch>
+        </p:blipFill>
+        <p:spPr bwMode="auto">
+          <a:xfrm>
+            <a:off x="5148064" y="5589239"/>
+            <a:ext cx="190500" cy="295275"/>
+          </a:xfrm>
+          <a:prstGeom prst="rect">
+            <a:avLst/>
+          </a:prstGeom>
+          <a:noFill/>
+        </p:spPr>
+      </p:pic>
+      <p:sp>
+        <p:nvSpPr>
+          <p:cNvPr id="35" name="Прямоугольник 34"/>
+          <p:cNvSpPr/>
+          <p:nvPr/>
+        </p:nvSpPr>
+        <p:spPr>
+          <a:xfrm>
+            <a:off x="3347864" y="3933056"/>
+            <a:ext cx="2517164" cy="369332"/>
+          </a:xfrm>
+          <a:prstGeom prst="rect">
+            <a:avLst/>
+          </a:prstGeom>
+        </p:spPr>
+        <p:txBody>
+          <a:bodyPr wrap="none">
+            <a:spAutoFit/>
+          </a:bodyPr>
+          <a:lstStyle/>
+          <a:p>
+            <a:r>
+              <a:rPr lang="en-US" b="1" dirty="0" smtClean="0"/>
+              <a:t>Fully-connected layer</a:t>
+            </a:r>
+            <a:endParaRPr lang="ru-RU" b="1" dirty="0"/>
+          </a:p>
+        </p:txBody>
+      </p:sp>
+      <p:sp>
+        <p:nvSpPr>
+          <p:cNvPr id="37" name="Прямоугольник 36"/>
+          <p:cNvSpPr/>
+          <p:nvPr/>
+        </p:nvSpPr>
+        <p:spPr>
+          <a:xfrm>
+            <a:off x="3779912" y="1700808"/>
+            <a:ext cx="1613775" cy="369332"/>
+          </a:xfrm>
+          <a:prstGeom prst="rect">
+            <a:avLst/>
+          </a:prstGeom>
+        </p:spPr>
+        <p:txBody>
+          <a:bodyPr wrap="none">
+            <a:spAutoFit/>
+          </a:bodyPr>
+          <a:lstStyle/>
+          <a:p>
+            <a:r>
+              <a:rPr lang="en-US" b="1" dirty="0" smtClean="0"/>
+              <a:t>Pooling</a:t>
+            </a:r>
+            <a:r>
+              <a:rPr lang="ru-RU" b="1" dirty="0" smtClean="0"/>
+              <a:t> </a:t>
+            </a:r>
+            <a:r>
+              <a:rPr lang="en-US" b="1" dirty="0" smtClean="0"/>
+              <a:t>layer</a:t>
+            </a:r>
+            <a:endParaRPr lang="ru-RU" b="1" dirty="0" smtClean="0"/>
+          </a:p>
+        </p:txBody>
+      </p:sp>
+      <p:pic>
+        <p:nvPicPr>
+          <p:cNvPr id="38" name="Picture 42"/>
+          <p:cNvPicPr>
+            <a:picLocks noChangeAspect="1" noChangeArrowheads="1"/>
+          </p:cNvPicPr>
+          <p:nvPr/>
+        </p:nvPicPr>
+        <p:blipFill>
+          <a:blip r:embed="rId4" cstate="print">
+            <a:clrChange>
+              <a:clrFrom>
+                <a:srgbClr val="FFFFFF"/>
+              </a:clrFrom>
+              <a:clrTo>
+                <a:srgbClr val="FFFFFF">
+                  <a:alpha val="0"/>
+                </a:srgbClr>
+              </a:clrTo>
+            </a:clrChange>
+          </a:blip>
+          <a:srcRect/>
+          <a:stretch>
+            <a:fillRect/>
+          </a:stretch>
+        </p:blipFill>
+        <p:spPr bwMode="auto">
+          <a:xfrm>
+            <a:off x="2699792" y="2204864"/>
+            <a:ext cx="3762375" cy="304800"/>
+          </a:xfrm>
+          <a:prstGeom prst="rect">
+            <a:avLst/>
+          </a:prstGeom>
+          <a:noFill/>
+        </p:spPr>
+      </p:pic>
+      <p:sp>
+        <p:nvSpPr>
+          <p:cNvPr id="39" name="Прямоугольник 38"/>
+          <p:cNvSpPr/>
+          <p:nvPr/>
+        </p:nvSpPr>
+        <p:spPr>
+          <a:xfrm>
+            <a:off x="179512" y="2708920"/>
+            <a:ext cx="8811771" cy="646331"/>
+          </a:xfrm>
+          <a:prstGeom prst="rect">
+            <a:avLst/>
+          </a:prstGeom>
+        </p:spPr>
+        <p:txBody>
+          <a:bodyPr wrap="none">
+            <a:spAutoFit/>
+          </a:bodyPr>
+          <a:lstStyle/>
+          <a:p>
+            <a:r>
+              <a:rPr lang="en-US" dirty="0" smtClean="0"/>
+              <a:t>a, b – </a:t>
+            </a:r>
+            <a:r>
+              <a:rPr lang="ru-RU" dirty="0" smtClean="0"/>
+              <a:t>коэффициенты, </a:t>
+            </a:r>
+            <a:r>
+              <a:rPr lang="en-US" dirty="0" smtClean="0"/>
+              <a:t>subsample(.) </a:t>
+            </a:r>
+            <a:r>
+              <a:rPr lang="ru-RU" dirty="0" smtClean="0"/>
+              <a:t>– операция выборки локальных максимальных </a:t>
+            </a:r>
+          </a:p>
+          <a:p>
+            <a:r>
+              <a:rPr lang="ru-RU" dirty="0" smtClean="0"/>
+              <a:t>значений</a:t>
+            </a:r>
+            <a:endParaRPr lang="ru-RU" dirty="0"/>
+          </a:p>
+        </p:txBody>
+      </p:sp>
+      <p:sp>
+        <p:nvSpPr>
+          <p:cNvPr id="31" name="Прямоугольник 30"/>
+          <p:cNvSpPr/>
+          <p:nvPr/>
+        </p:nvSpPr>
+        <p:spPr>
+          <a:xfrm>
+            <a:off x="539552" y="5301208"/>
+            <a:ext cx="8064896" cy="1200329"/>
+          </a:xfrm>
+          <a:prstGeom prst="rect">
+            <a:avLst/>
+          </a:prstGeom>
+        </p:spPr>
+        <p:txBody>
+          <a:bodyPr wrap="square">
+            <a:spAutoFit/>
+          </a:bodyPr>
+          <a:lstStyle/>
+          <a:p>
+            <a:r>
+              <a:rPr lang="ru-RU" dirty="0" smtClean="0"/>
+              <a:t>где </a:t>
+            </a:r>
+            <a:r>
+              <a:rPr lang="en-US" i="1" dirty="0" smtClean="0"/>
+              <a:t>x</a:t>
+            </a:r>
+            <a:r>
+              <a:rPr lang="en-US" i="1" baseline="30000" dirty="0" smtClean="0"/>
+              <a:t>l</a:t>
+            </a:r>
+            <a:r>
+              <a:rPr lang="en-US" dirty="0" smtClean="0"/>
+              <a:t> </a:t>
+            </a:r>
+            <a:r>
+              <a:rPr lang="ru-RU" dirty="0" smtClean="0"/>
+              <a:t>выход слоя</a:t>
+            </a:r>
+            <a:r>
+              <a:rPr lang="en-US" dirty="0" smtClean="0"/>
+              <a:t> </a:t>
+            </a:r>
+            <a:r>
+              <a:rPr lang="en-US" i="1" dirty="0" smtClean="0"/>
+              <a:t>l, f(.) </a:t>
+            </a:r>
+            <a:r>
+              <a:rPr lang="en-US" dirty="0" smtClean="0"/>
+              <a:t>– </a:t>
+            </a:r>
+            <a:r>
+              <a:rPr lang="ru-RU" dirty="0" smtClean="0"/>
+              <a:t>функция активации, </a:t>
+            </a:r>
+            <a:r>
+              <a:rPr lang="en-US" i="1" dirty="0" err="1" smtClean="0"/>
+              <a:t>b</a:t>
+            </a:r>
+            <a:r>
+              <a:rPr lang="en-US" i="1" baseline="30000" dirty="0" err="1" smtClean="0"/>
+              <a:t>l</a:t>
+            </a:r>
+            <a:r>
+              <a:rPr lang="en-US" dirty="0" smtClean="0"/>
+              <a:t> </a:t>
+            </a:r>
+            <a:r>
+              <a:rPr lang="ru-RU" dirty="0" smtClean="0"/>
+              <a:t>коэффициент сдвига, </a:t>
+            </a:r>
+          </a:p>
+          <a:p>
+            <a:r>
+              <a:rPr lang="en-US" i="1" dirty="0" smtClean="0"/>
+              <a:t>x</a:t>
+            </a:r>
+            <a:r>
+              <a:rPr lang="en-US" i="1" baseline="30000" dirty="0" smtClean="0">
+                <a:latin typeface="Times New Roman" pitchFamily="18" charset="0"/>
+                <a:cs typeface="Times New Roman" pitchFamily="18" charset="0"/>
+              </a:rPr>
+              <a:t>l-1</a:t>
+            </a:r>
+            <a:r>
+              <a:rPr lang="ru-RU" dirty="0" smtClean="0"/>
+              <a:t> вход для текущего слоя</a:t>
+            </a:r>
+            <a:r>
+              <a:rPr lang="en-US" dirty="0" smtClean="0"/>
+              <a:t>, </a:t>
+            </a:r>
+            <a:r>
+              <a:rPr lang="en-US" i="1" dirty="0" err="1" smtClean="0"/>
+              <a:t>k</a:t>
+            </a:r>
+            <a:r>
+              <a:rPr lang="en-US" i="1" baseline="30000" dirty="0" err="1" smtClean="0"/>
+              <a:t>l</a:t>
+            </a:r>
+            <a:r>
+              <a:rPr lang="en-US" dirty="0" smtClean="0"/>
+              <a:t> </a:t>
+            </a:r>
+            <a:r>
+              <a:rPr lang="ru-RU" dirty="0" smtClean="0"/>
+              <a:t>ядро свертки,     матрица весовых коэффициентов</a:t>
+            </a:r>
+          </a:p>
+          <a:p>
+            <a:endParaRPr lang="ru-RU" dirty="0" smtClean="0"/>
+          </a:p>
+        </p:txBody>
+      </p:sp>
+    </p:spTree>
+  </p:cSld>
+  <p:clrMapOvr>
+    <a:masterClrMapping/>
+  </p:clrMapOvr>
+</p:sld>
+</file>
+
+<file path=ppt/slides/slide11.xml><?xml version="1.0" encoding="utf-8"?>
+<p:sld xmlns:a="http://schemas.openxmlformats.org/drawingml/2006/main" xmlns:r="http://schemas.openxmlformats.org/officeDocument/2006/relationships" xmlns:p="http://schemas.openxmlformats.org/presentationml/2006/main">
+  <p:cSld>
+    <p:spTree>
+      <p:nvGrpSpPr>
+        <p:cNvPr id="1" name=""/>
+        <p:cNvGrpSpPr/>
+        <p:nvPr/>
+      </p:nvGrpSpPr>
+      <p:grpSpPr>
+        <a:xfrm>
+          <a:off x="0" y="0"/>
+          <a:ext cx="0" cy="0"/>
+          <a:chOff x="0" y="0"/>
+          <a:chExt cx="0" cy="0"/>
+        </a:xfrm>
+      </p:grpSpPr>
+      <p:sp>
+        <p:nvSpPr>
+          <p:cNvPr id="4" name="Номер слайда 3"/>
+          <p:cNvSpPr>
+            <a:spLocks noGrp="1"/>
+          </p:cNvSpPr>
+          <p:nvPr>
+            <p:ph type="sldNum" sz="quarter" idx="12"/>
+          </p:nvPr>
+        </p:nvSpPr>
+        <p:spPr/>
+        <p:txBody>
+          <a:bodyPr/>
+          <a:lstStyle/>
+          <a:p>
+            <a:fld id="{7498795A-CFA5-45B7-82FE-35C0C684350C}" type="slidenum">
+              <a:rPr lang="ru-RU" smtClean="0"/>
+              <a:pPr/>
+              <a:t>11</a:t>
+            </a:fld>
             <a:endParaRPr lang="ru-RU"/>
           </a:p>
         </p:txBody>
@@ -5213,7 +6046,7 @@
         </p:nvSpPr>
         <p:spPr>
           <a:xfrm>
-            <a:off x="3131840" y="476672"/>
+            <a:off x="3203848" y="476672"/>
             <a:ext cx="2669898" cy="584775"/>
           </a:xfrm>
           <a:prstGeom prst="rect">
@@ -5267,8 +6100,8 @@
         </p:nvSpPr>
         <p:spPr>
           <a:xfrm>
-            <a:off x="1043608" y="2564904"/>
-            <a:ext cx="7632848" cy="2031325"/>
+            <a:off x="467544" y="2564904"/>
+            <a:ext cx="8208912" cy="2031325"/>
           </a:xfrm>
           <a:prstGeom prst="rect">
             <a:avLst/>
@@ -5284,19 +6117,15 @@
               <a:rPr lang="ru-RU" dirty="0" smtClean="0">
                 <a:cs typeface="Arial" pitchFamily="34" charset="0"/>
               </a:rPr>
-              <a:t>В ходе работы был сделан вывод, что для корректного решения </a:t>
-            </a:r>
-            <a:r>
-              <a:rPr lang="ru-RU" dirty="0" err="1" smtClean="0">
-                <a:cs typeface="Arial" pitchFamily="34" charset="0"/>
-              </a:rPr>
-              <a:t>радачи</a:t>
-            </a:r>
+              <a:t>Была построена модель, корректно детектирующая точки лица человека.</a:t>
+            </a:r>
+          </a:p>
+          <a:p>
             <a:r>
               <a:rPr lang="ru-RU" dirty="0" smtClean="0">
                 <a:cs typeface="Arial" pitchFamily="34" charset="0"/>
               </a:rPr>
-              <a:t>, использование только сверточной нейронной сети недостаточно. Для нейронной сети требуется специальная </a:t>
+              <a:t>Также в ходе работы был сделан вывод, что для корректного решения задачи, использование только сверточной нейронной сети недостаточно. Для нейронной сети требуется специальная </a:t>
             </a:r>
             <a:r>
               <a:rPr lang="ru-RU" dirty="0" err="1" smtClean="0">
@@ -5346,7 +6175,7 @@
 </p:sld>
 </file>
 
-<file path=ppt/slides/slide11.xml><?xml version="1.0" encoding="utf-8"?>
+<file path=ppt/slides/slide12.xml><?xml version="1.0" encoding="utf-8"?>
 <p:sld xmlns:a="http://schemas.openxmlformats.org/drawingml/2006/main" xmlns:r="http://schemas.openxmlformats.org/officeDocument/2006/relationships" xmlns:p="http://schemas.openxmlformats.org/presentationml/2006/main">
   <p:cSld>
     <p:spTree>
@@ -5436,7 +6265,7 @@
             <a:fld id="{7498795A-CFA5-45B7-82FE-35C0C684350C}" type="slidenum">
               <a:rPr lang="ru-RU" smtClean="0"/>
               <a:pPr/>
-              <a:t>11</a:t>
+              <a:t>12</a:t>
             </a:fld>
             <a:endParaRPr lang="ru-RU"/>
           </a:p>
@@ -6541,7 +7370,7 @@
 </p:sld>
 </file>
 
-<file path=ppt/slides/slide12.xml><?xml version="1.0" encoding="utf-8"?>
+<file path=ppt/slides/slide13.xml><?xml version="1.0" encoding="utf-8"?>
 <p:sld xmlns:a="http://schemas.openxmlformats.org/drawingml/2006/main" xmlns:r="http://schemas.openxmlformats.org/officeDocument/2006/relationships" xmlns:p="http://schemas.openxmlformats.org/presentationml/2006/main">
   <p:cSld>
     <p:spTree>
@@ -6566,8 +7395,8 @@
         </p:nvSpPr>
         <p:spPr>
           <a:xfrm>
-            <a:off x="2071670" y="2857496"/>
-            <a:ext cx="5000660" cy="523220"/>
+            <a:off x="1763688" y="2852936"/>
+            <a:ext cx="5668682" cy="584775"/>
           </a:xfrm>
           <a:prstGeom prst="rect">
             <a:avLst/>
@@ -6581,7 +7410,7 @@
           <a:lstStyle/>
           <a:p>
             <a:r>
-              <a:rPr lang="ru-RU" sz="2800" b="1" dirty="0" smtClean="0">
+              <a:rPr lang="ru-RU" sz="3200" b="1" dirty="0" smtClean="0">
                 <a:ln w="12700" cmpd="sng">
                   <a:solidFill>
                     <a:schemeClr val="tx1">
@@ -6609,7 +7438,7 @@
               </a:rPr>
               <a:t>СПАСИБО ЗА ВНИМАНИЕ!  </a:t>
             </a:r>
-            <a:endParaRPr lang="ru-RU" sz="2800" b="1" cap="none" spc="0" dirty="0">
+            <a:endParaRPr lang="ru-RU" sz="3200" b="1" cap="none" spc="0" dirty="0">
               <a:ln w="12700" cmpd="sng">
                 <a:solidFill>
                   <a:schemeClr val="tx1">
@@ -7188,7 +8017,7 @@
         </p:nvSpPr>
         <p:spPr>
           <a:xfrm>
-            <a:off x="395536" y="2708920"/>
+            <a:off x="323528" y="2708920"/>
             <a:ext cx="8501122" cy="1569660"/>
           </a:xfrm>
           <a:prstGeom prst="rect">
@@ -7323,46 +8152,23 @@
       </p:grpSpPr>
       <p:sp>
         <p:nvSpPr>
-          <p:cNvPr id="4" name="Номер слайда 3"/>
+          <p:cNvPr id="2" name="Заголовок 1"/>
           <p:cNvSpPr>
             <a:spLocks noGrp="1"/>
           </p:cNvSpPr>
           <p:nvPr>
-            <p:ph type="sldNum" sz="quarter" idx="12"/>
+            <p:ph type="title"/>
           </p:nvPr>
         </p:nvSpPr>
-        <p:spPr/>
-        <p:txBody>
-          <a:bodyPr/>
-          <a:lstStyle/>
-          <a:p>
-            <a:fld id="{7498795A-CFA5-45B7-82FE-35C0C684350C}" type="slidenum">
-              <a:rPr lang="ru-RU" smtClean="0"/>
-              <a:pPr/>
-              <a:t>4</a:t>
-            </a:fld>
-            <a:endParaRPr lang="ru-RU"/>
-          </a:p>
-        </p:txBody>
-      </p:sp>
-      <p:sp>
-        <p:nvSpPr>
-          <p:cNvPr id="5" name="Прямоугольник 4"/>
-          <p:cNvSpPr/>
-          <p:nvPr/>
-        </p:nvSpPr>
         <p:spPr>
           <a:xfrm>
-            <a:off x="971600" y="188640"/>
-            <a:ext cx="7754367" cy="1077218"/>
-          </a:xfrm>
-          <a:prstGeom prst="rect">
-            <a:avLst/>
-          </a:prstGeom>
-        </p:spPr>
-        <p:txBody>
-          <a:bodyPr wrap="none">
-            <a:spAutoFit/>
+            <a:off x="467544" y="476672"/>
+            <a:ext cx="8229600" cy="854968"/>
+          </a:xfrm>
+        </p:spPr>
+        <p:txBody>
+          <a:bodyPr>
+            <a:noAutofit/>
           </a:bodyPr>
           <a:lstStyle/>
           <a:p>
@@ -7394,11 +8200,37 @@
                 <a:latin typeface="Arial" pitchFamily="34" charset="0"/>
                 <a:cs typeface="Arial" pitchFamily="34" charset="0"/>
               </a:rPr>
-              <a:t>В процессе работы использовались </a:t>
-            </a:r>
-          </a:p>
-          <a:p>
-            <a:pPr algn="ctr"/>
+              <a:t>Получение кадра с </a:t>
+            </a:r>
+            <a:r>
+              <a:rPr lang="ru-RU" sz="3200" b="1" dirty="0" err="1" smtClean="0">
+                <a:ln w="12700" cmpd="sng">
+                  <a:solidFill>
+                    <a:schemeClr val="tx1">
+                      <a:lumMod val="95000"/>
+                      <a:lumOff val="5000"/>
+                    </a:schemeClr>
+                  </a:solidFill>
+                  <a:prstDash val="solid"/>
+                </a:ln>
+                <a:solidFill>
+                  <a:schemeClr val="bg1">
+                    <a:lumMod val="50000"/>
+                  </a:schemeClr>
+                </a:solidFill>
+                <a:effectLst>
+                  <a:outerShdw blurRad="41275" dist="12700" dir="12000000" algn="tl" rotWithShape="0">
+                    <a:srgbClr val="000000">
+                      <a:alpha val="40000"/>
+                    </a:srgbClr>
+                  </a:outerShdw>
+                  <a:reflection blurRad="6350" stA="55000" endA="300" endPos="45500" dir="5400000" sy="-100000" algn="bl" rotWithShape="0"/>
+                </a:effectLst>
+                <a:latin typeface="Arial" pitchFamily="34" charset="0"/>
+                <a:cs typeface="Arial" pitchFamily="34" charset="0"/>
+              </a:rPr>
+              <a:t>веб</a:t>
+            </a:r>
             <a:r>
               <a:rPr lang="ru-RU" sz="3200" b="1" dirty="0" smtClean="0">
                 <a:ln w="12700" cmpd="sng">
@@ -7426,836 +8258,57 @@
                 <a:latin typeface="Arial" pitchFamily="34" charset="0"/>
                 <a:cs typeface="Arial" pitchFamily="34" charset="0"/>
               </a:rPr>
-              <a:t>программные продукты</a:t>
-            </a:r>
-            <a:endParaRPr lang="ru-RU" sz="2400" b="1" dirty="0">
-              <a:ln w="12700" cmpd="sng">
-                <a:solidFill>
-                  <a:schemeClr val="tx1">
-                    <a:lumMod val="95000"/>
-                    <a:lumOff val="5000"/>
-                  </a:schemeClr>
-                </a:solidFill>
-                <a:prstDash val="solid"/>
-              </a:ln>
-              <a:solidFill>
-                <a:schemeClr val="bg1">
-                  <a:lumMod val="50000"/>
-                </a:schemeClr>
-              </a:solidFill>
-              <a:effectLst>
-                <a:outerShdw blurRad="41275" dist="12700" dir="12000000" algn="tl" rotWithShape="0">
-                  <a:srgbClr val="000000">
-                    <a:alpha val="40000"/>
-                  </a:srgbClr>
-                </a:outerShdw>
-                <a:reflection blurRad="6350" stA="55000" endA="300" endPos="45500" dir="5400000" sy="-100000" algn="bl" rotWithShape="0"/>
-              </a:effectLst>
-              <a:latin typeface="Arial" pitchFamily="34" charset="0"/>
-              <a:cs typeface="Arial" pitchFamily="34" charset="0"/>
-            </a:endParaRPr>
-          </a:p>
-        </p:txBody>
-      </p:sp>
-      <p:sp>
-        <p:nvSpPr>
-          <p:cNvPr id="6" name="Прямоугольник 5"/>
+              <a:t> камеры</a:t>
+            </a:r>
+            <a:endParaRPr lang="ru-RU" sz="3200" dirty="0"/>
+          </a:p>
+        </p:txBody>
+      </p:sp>
+      <p:sp>
+        <p:nvSpPr>
+          <p:cNvPr id="4" name="Номер слайда 3"/>
+          <p:cNvSpPr>
+            <a:spLocks noGrp="1"/>
+          </p:cNvSpPr>
+          <p:nvPr>
+            <p:ph type="sldNum" sz="quarter" idx="12"/>
+          </p:nvPr>
+        </p:nvSpPr>
+        <p:spPr/>
+        <p:txBody>
+          <a:bodyPr/>
+          <a:lstStyle/>
+          <a:p>
+            <a:fld id="{7498795A-CFA5-45B7-82FE-35C0C684350C}" type="slidenum">
+              <a:rPr lang="ru-RU" smtClean="0"/>
+              <a:pPr/>
+              <a:t>4</a:t>
+            </a:fld>
+            <a:endParaRPr lang="ru-RU"/>
+          </a:p>
+        </p:txBody>
+      </p:sp>
+      <p:sp>
+        <p:nvSpPr>
+          <p:cNvPr id="8" name="Прямоугольник 7"/>
           <p:cNvSpPr/>
           <p:nvPr/>
         </p:nvSpPr>
         <p:spPr>
           <a:xfrm>
-            <a:off x="179512" y="1484784"/>
-            <a:ext cx="4572000" cy="369332"/>
+            <a:off x="971600" y="1916832"/>
+            <a:ext cx="7200800" cy="1200329"/>
           </a:xfrm>
           <a:prstGeom prst="rect">
             <a:avLst/>
           </a:prstGeom>
         </p:spPr>
         <p:txBody>
-          <a:bodyPr>
-            <a:spAutoFit/>
-          </a:bodyPr>
-          <a:lstStyle/>
-          <a:p>
-            <a:r>
-              <a:rPr lang="ru-RU" dirty="0" smtClean="0"/>
-              <a:t>Язык программирования </a:t>
-            </a:r>
-            <a:r>
-              <a:rPr lang="en-US" dirty="0" smtClean="0"/>
-              <a:t>python 2.7</a:t>
-            </a:r>
-          </a:p>
-        </p:txBody>
-      </p:sp>
-      <p:pic>
-        <p:nvPicPr>
-          <p:cNvPr id="2050" name="Picture 2" descr="C:\Users\stranger\Desktop\python-programming.png"/>
-          <p:cNvPicPr>
-            <a:picLocks noChangeAspect="1" noChangeArrowheads="1"/>
-          </p:cNvPicPr>
-          <p:nvPr/>
-        </p:nvPicPr>
-        <p:blipFill>
-          <a:blip r:embed="rId2" cstate="print"/>
-          <a:srcRect/>
-          <a:stretch>
-            <a:fillRect/>
-          </a:stretch>
-        </p:blipFill>
-        <p:spPr bwMode="auto">
-          <a:xfrm>
-            <a:off x="323528" y="1772816"/>
-            <a:ext cx="3600400" cy="1067518"/>
-          </a:xfrm>
-          <a:prstGeom prst="rect">
-            <a:avLst/>
-          </a:prstGeom>
-          <a:noFill/>
-        </p:spPr>
-      </p:pic>
-      <p:sp>
-        <p:nvSpPr>
-          <p:cNvPr id="7" name="Прямоугольник 6"/>
-          <p:cNvSpPr/>
-          <p:nvPr/>
-        </p:nvSpPr>
-        <p:spPr>
-          <a:xfrm>
-            <a:off x="5508104" y="1484784"/>
-            <a:ext cx="2272160" cy="369332"/>
-          </a:xfrm>
-          <a:prstGeom prst="rect">
-            <a:avLst/>
-          </a:prstGeom>
-        </p:spPr>
-        <p:txBody>
-          <a:bodyPr wrap="none">
-            <a:spAutoFit/>
-          </a:bodyPr>
-          <a:lstStyle/>
-          <a:p>
-            <a:r>
-              <a:rPr lang="ru-RU" dirty="0" smtClean="0"/>
-              <a:t>Библиотека </a:t>
-            </a:r>
-            <a:r>
-              <a:rPr lang="en-US" dirty="0" err="1" smtClean="0"/>
-              <a:t>lasagne</a:t>
-            </a:r>
-            <a:endParaRPr lang="en-US" dirty="0" smtClean="0"/>
-          </a:p>
-        </p:txBody>
-      </p:sp>
-      <p:sp>
-        <p:nvSpPr>
-          <p:cNvPr id="8" name="Прямоугольник 7"/>
-          <p:cNvSpPr/>
-          <p:nvPr/>
-        </p:nvSpPr>
-        <p:spPr>
-          <a:xfrm>
-            <a:off x="755576" y="4005064"/>
-            <a:ext cx="2172967" cy="369332"/>
-          </a:xfrm>
-          <a:prstGeom prst="rect">
-            <a:avLst/>
-          </a:prstGeom>
-        </p:spPr>
-        <p:txBody>
-          <a:bodyPr wrap="none">
-            <a:spAutoFit/>
-          </a:bodyPr>
-          <a:lstStyle/>
-          <a:p>
-            <a:r>
-              <a:rPr lang="ru-RU" dirty="0" smtClean="0"/>
-              <a:t>Библиотека </a:t>
-            </a:r>
-            <a:r>
-              <a:rPr lang="en-US" dirty="0" err="1" smtClean="0"/>
-              <a:t>theano</a:t>
-            </a:r>
-            <a:endParaRPr lang="en-US" dirty="0" smtClean="0"/>
-          </a:p>
-        </p:txBody>
-      </p:sp>
-      <p:pic>
-        <p:nvPicPr>
-          <p:cNvPr id="1026" name="Picture 2" descr="C:\Users\stranger\Desktop\theano_logo_allblue_200x46.png"/>
-          <p:cNvPicPr>
-            <a:picLocks noChangeAspect="1" noChangeArrowheads="1"/>
-          </p:cNvPicPr>
-          <p:nvPr/>
-        </p:nvPicPr>
-        <p:blipFill>
-          <a:blip r:embed="rId3" cstate="print"/>
-          <a:srcRect/>
-          <a:stretch>
-            <a:fillRect/>
-          </a:stretch>
-        </p:blipFill>
-        <p:spPr bwMode="auto">
-          <a:xfrm>
-            <a:off x="323528" y="4725144"/>
-            <a:ext cx="3392488" cy="781050"/>
-          </a:xfrm>
-          <a:prstGeom prst="rect">
-            <a:avLst/>
-          </a:prstGeom>
-          <a:noFill/>
-        </p:spPr>
-      </p:pic>
-      <p:sp>
-        <p:nvSpPr>
-          <p:cNvPr id="10" name="Прямоугольник 9"/>
-          <p:cNvSpPr/>
-          <p:nvPr/>
-        </p:nvSpPr>
-        <p:spPr>
-          <a:xfrm>
-            <a:off x="5436096" y="4005064"/>
-            <a:ext cx="2346733" cy="369332"/>
-          </a:xfrm>
-          <a:prstGeom prst="rect">
-            <a:avLst/>
-          </a:prstGeom>
-        </p:spPr>
-        <p:txBody>
-          <a:bodyPr wrap="none">
-            <a:spAutoFit/>
-          </a:bodyPr>
-          <a:lstStyle/>
-          <a:p>
-            <a:r>
-              <a:rPr lang="ru-RU" dirty="0" smtClean="0"/>
-              <a:t>Библиотека </a:t>
-            </a:r>
-            <a:r>
-              <a:rPr lang="en-US" dirty="0" err="1" smtClean="0"/>
-              <a:t>OpenCV</a:t>
-            </a:r>
-            <a:endParaRPr lang="en-US" dirty="0" smtClean="0"/>
-          </a:p>
-        </p:txBody>
-      </p:sp>
-      <p:pic>
-        <p:nvPicPr>
-          <p:cNvPr id="11" name="Picture 3" descr="C:\Users\stranger\Desktop\2000px-OpenCV_Logo_with_text_svg_version.svg.png"/>
-          <p:cNvPicPr>
-            <a:picLocks noChangeAspect="1" noChangeArrowheads="1"/>
-          </p:cNvPicPr>
-          <p:nvPr/>
-        </p:nvPicPr>
-        <p:blipFill>
-          <a:blip r:embed="rId4" cstate="print"/>
-          <a:srcRect/>
-          <a:stretch>
-            <a:fillRect/>
-          </a:stretch>
-        </p:blipFill>
-        <p:spPr bwMode="auto">
-          <a:xfrm>
-            <a:off x="6012160" y="4725144"/>
-            <a:ext cx="1368152" cy="1685563"/>
-          </a:xfrm>
-          <a:prstGeom prst="rect">
-            <a:avLst/>
-          </a:prstGeom>
-          <a:noFill/>
-        </p:spPr>
-      </p:pic>
-      <p:pic>
-        <p:nvPicPr>
-          <p:cNvPr id="1027" name="Picture 3" descr="C:\Users\stranger\Desktop\tumblr_mod325UaUQ1rzunsjo1_500.png"/>
-          <p:cNvPicPr>
-            <a:picLocks noChangeAspect="1" noChangeArrowheads="1"/>
-          </p:cNvPicPr>
-          <p:nvPr/>
-        </p:nvPicPr>
-        <p:blipFill>
-          <a:blip r:embed="rId5" cstate="print"/>
-          <a:srcRect/>
-          <a:stretch>
-            <a:fillRect/>
-          </a:stretch>
-        </p:blipFill>
-        <p:spPr bwMode="auto">
-          <a:xfrm>
-            <a:off x="5508104" y="1844824"/>
-            <a:ext cx="2232248" cy="2062597"/>
-          </a:xfrm>
-          <a:prstGeom prst="rect">
-            <a:avLst/>
-          </a:prstGeom>
-          <a:noFill/>
-        </p:spPr>
-      </p:pic>
-    </p:spTree>
-  </p:cSld>
-  <p:clrMapOvr>
-    <a:masterClrMapping/>
-  </p:clrMapOvr>
-</p:sld>
-</file>
-
-<file path=ppt/slides/slide5.xml><?xml version="1.0" encoding="utf-8"?>
-<p:sld xmlns:a="http://schemas.openxmlformats.org/drawingml/2006/main" xmlns:r="http://schemas.openxmlformats.org/officeDocument/2006/relationships" xmlns:p="http://schemas.openxmlformats.org/presentationml/2006/main">
-  <p:cSld>
-    <p:spTree>
-      <p:nvGrpSpPr>
-        <p:cNvPr id="1" name=""/>
-        <p:cNvGrpSpPr/>
-        <p:nvPr/>
-      </p:nvGrpSpPr>
-      <p:grpSpPr>
-        <a:xfrm>
-          <a:off x="0" y="0"/>
-          <a:ext cx="0" cy="0"/>
-          <a:chOff x="0" y="0"/>
-          <a:chExt cx="0" cy="0"/>
-        </a:xfrm>
-      </p:grpSpPr>
-      <p:sp>
-        <p:nvSpPr>
-          <p:cNvPr id="4" name="Прямоугольник 3"/>
-          <p:cNvSpPr/>
-          <p:nvPr/>
-        </p:nvSpPr>
-        <p:spPr>
-          <a:xfrm>
-            <a:off x="571472" y="714356"/>
-            <a:ext cx="8286808" cy="553998"/>
-          </a:xfrm>
-          <a:prstGeom prst="rect">
-            <a:avLst/>
-          </a:prstGeom>
-          <a:noFill/>
-        </p:spPr>
-        <p:txBody>
-          <a:bodyPr wrap="square" lIns="91440" tIns="45720" rIns="91440" bIns="45720">
-            <a:spAutoFit/>
-          </a:bodyPr>
-          <a:lstStyle/>
-          <a:p>
-            <a:pPr algn="ctr"/>
-            <a:r>
-              <a:rPr lang="ru-RU" sz="3000" b="1" dirty="0" smtClean="0">
-                <a:ln w="12700" cmpd="sng">
-                  <a:solidFill>
-                    <a:schemeClr val="tx1">
-                      <a:lumMod val="95000"/>
-                      <a:lumOff val="5000"/>
-                    </a:schemeClr>
-                  </a:solidFill>
-                  <a:prstDash val="solid"/>
-                </a:ln>
-                <a:solidFill>
-                  <a:schemeClr val="bg1">
-                    <a:lumMod val="50000"/>
-                  </a:schemeClr>
-                </a:solidFill>
-                <a:effectLst>
-                  <a:outerShdw blurRad="41275" dist="12700" dir="12000000" algn="tl" rotWithShape="0">
-                    <a:srgbClr val="000000">
-                      <a:alpha val="40000"/>
-                    </a:srgbClr>
-                  </a:outerShdw>
-                  <a:reflection blurRad="6350" stA="55000" endA="300" endPos="45500" dir="5400000" sy="-100000" algn="bl" rotWithShape="0"/>
-                </a:effectLst>
-                <a:latin typeface="Arial" pitchFamily="34" charset="0"/>
-                <a:cs typeface="Arial" pitchFamily="34" charset="0"/>
-              </a:rPr>
-              <a:t>Процесс </a:t>
-            </a:r>
-            <a:r>
-              <a:rPr lang="ru-RU" sz="3000" b="1" dirty="0" err="1" smtClean="0">
-                <a:ln w="12700" cmpd="sng">
-                  <a:solidFill>
-                    <a:schemeClr val="tx1">
-                      <a:lumMod val="95000"/>
-                      <a:lumOff val="5000"/>
-                    </a:schemeClr>
-                  </a:solidFill>
-                  <a:prstDash val="solid"/>
-                </a:ln>
-                <a:solidFill>
-                  <a:schemeClr val="bg1">
-                    <a:lumMod val="50000"/>
-                  </a:schemeClr>
-                </a:solidFill>
-                <a:effectLst>
-                  <a:outerShdw blurRad="41275" dist="12700" dir="12000000" algn="tl" rotWithShape="0">
-                    <a:srgbClr val="000000">
-                      <a:alpha val="40000"/>
-                    </a:srgbClr>
-                  </a:outerShdw>
-                  <a:reflection blurRad="6350" stA="55000" endA="300" endPos="45500" dir="5400000" sy="-100000" algn="bl" rotWithShape="0"/>
-                </a:effectLst>
-                <a:latin typeface="Arial" pitchFamily="34" charset="0"/>
-                <a:cs typeface="Arial" pitchFamily="34" charset="0"/>
-              </a:rPr>
-              <a:t>детекции</a:t>
-            </a:r>
-            <a:r>
-              <a:rPr lang="ru-RU" sz="3000" b="1" dirty="0" smtClean="0">
-                <a:ln w="12700" cmpd="sng">
-                  <a:solidFill>
-                    <a:schemeClr val="tx1">
-                      <a:lumMod val="95000"/>
-                      <a:lumOff val="5000"/>
-                    </a:schemeClr>
-                  </a:solidFill>
-                  <a:prstDash val="solid"/>
-                </a:ln>
-                <a:solidFill>
-                  <a:schemeClr val="bg1">
-                    <a:lumMod val="50000"/>
-                  </a:schemeClr>
-                </a:solidFill>
-                <a:effectLst>
-                  <a:outerShdw blurRad="41275" dist="12700" dir="12000000" algn="tl" rotWithShape="0">
-                    <a:srgbClr val="000000">
-                      <a:alpha val="40000"/>
-                    </a:srgbClr>
-                  </a:outerShdw>
-                  <a:reflection blurRad="6350" stA="55000" endA="300" endPos="45500" dir="5400000" sy="-100000" algn="bl" rotWithShape="0"/>
-                </a:effectLst>
-                <a:latin typeface="Arial" pitchFamily="34" charset="0"/>
-                <a:cs typeface="Arial" pitchFamily="34" charset="0"/>
-              </a:rPr>
-              <a:t> лиц</a:t>
-            </a:r>
-            <a:endParaRPr lang="ru-RU" sz="3200" b="1" cap="none" spc="0" dirty="0">
-              <a:ln w="12700" cmpd="sng">
-                <a:solidFill>
-                  <a:schemeClr val="tx1">
-                    <a:lumMod val="95000"/>
-                    <a:lumOff val="5000"/>
-                  </a:schemeClr>
-                </a:solidFill>
-                <a:prstDash val="solid"/>
-              </a:ln>
-              <a:solidFill>
-                <a:schemeClr val="bg1">
-                  <a:lumMod val="50000"/>
-                </a:schemeClr>
-              </a:solidFill>
-              <a:effectLst>
-                <a:outerShdw blurRad="41275" dist="12700" dir="12000000" algn="tl" rotWithShape="0">
-                  <a:srgbClr val="000000">
-                    <a:alpha val="40000"/>
-                  </a:srgbClr>
-                </a:outerShdw>
-                <a:reflection blurRad="6350" stA="55000" endA="300" endPos="45500" dir="5400000" sy="-100000" algn="bl" rotWithShape="0"/>
-              </a:effectLst>
-              <a:latin typeface="Arial" pitchFamily="34" charset="0"/>
-              <a:cs typeface="Arial" pitchFamily="34" charset="0"/>
-            </a:endParaRPr>
-          </a:p>
-        </p:txBody>
-      </p:sp>
-      <p:sp>
-        <p:nvSpPr>
-          <p:cNvPr id="14" name="Номер слайда 13"/>
-          <p:cNvSpPr>
-            <a:spLocks noGrp="1"/>
-          </p:cNvSpPr>
-          <p:nvPr>
-            <p:ph type="sldNum" sz="quarter" idx="12"/>
-          </p:nvPr>
-        </p:nvSpPr>
-        <p:spPr/>
-        <p:txBody>
-          <a:bodyPr/>
-          <a:lstStyle/>
-          <a:p>
-            <a:fld id="{7498795A-CFA5-45B7-82FE-35C0C684350C}" type="slidenum">
-              <a:rPr lang="ru-RU" smtClean="0">
-                <a:latin typeface="Arial" pitchFamily="34" charset="0"/>
-                <a:cs typeface="Arial" pitchFamily="34" charset="0"/>
-              </a:rPr>
-              <a:pPr/>
-              <a:t>5</a:t>
-            </a:fld>
-            <a:endParaRPr lang="ru-RU">
-              <a:latin typeface="Arial" pitchFamily="34" charset="0"/>
-              <a:cs typeface="Arial" pitchFamily="34" charset="0"/>
-            </a:endParaRPr>
-          </a:p>
-        </p:txBody>
-      </p:sp>
-      <p:sp>
-        <p:nvSpPr>
-          <p:cNvPr id="20" name="Прямоугольник 19"/>
-          <p:cNvSpPr/>
-          <p:nvPr/>
-        </p:nvSpPr>
-        <p:spPr>
-          <a:xfrm>
-            <a:off x="285688" y="2492896"/>
-            <a:ext cx="8858312" cy="3170099"/>
-          </a:xfrm>
-          <a:prstGeom prst="rect">
-            <a:avLst/>
-          </a:prstGeom>
-        </p:spPr>
-        <p:txBody>
           <a:bodyPr wrap="square">
             <a:spAutoFit/>
           </a:bodyPr>
           <a:lstStyle/>
           <a:p>
-            <a:pPr>
-              <a:buFont typeface="Wingdings" pitchFamily="2" charset="2"/>
-              <a:buChar char="Ø"/>
-            </a:pPr>
-            <a:r>
-              <a:rPr lang="ru-RU" sz="2000" dirty="0" smtClean="0">
-                <a:latin typeface="Arial" pitchFamily="34" charset="0"/>
-                <a:cs typeface="Arial" pitchFamily="34" charset="0"/>
-              </a:rPr>
-              <a:t> </a:t>
-            </a:r>
-            <a:r>
-              <a:rPr lang="ru-RU" sz="2000" dirty="0" smtClean="0">
-                <a:cs typeface="Arial" pitchFamily="34" charset="0"/>
-              </a:rPr>
-              <a:t>получение кадра с </a:t>
-            </a:r>
-            <a:r>
-              <a:rPr lang="ru-RU" sz="2000" dirty="0" err="1" smtClean="0">
-                <a:cs typeface="Arial" pitchFamily="34" charset="0"/>
-              </a:rPr>
-              <a:t>веб</a:t>
-            </a:r>
-            <a:r>
-              <a:rPr lang="ru-RU" sz="2000" dirty="0" smtClean="0">
-                <a:cs typeface="Arial" pitchFamily="34" charset="0"/>
-              </a:rPr>
-              <a:t> камеры</a:t>
-            </a:r>
-          </a:p>
-          <a:p>
-            <a:pPr>
-              <a:buFont typeface="Wingdings" pitchFamily="2" charset="2"/>
-              <a:buChar char="Ø"/>
-            </a:pPr>
-            <a:endParaRPr lang="ru-RU" sz="2000" dirty="0" smtClean="0">
-              <a:cs typeface="Arial" pitchFamily="34" charset="0"/>
-            </a:endParaRPr>
-          </a:p>
-          <a:p>
-            <a:pPr>
-              <a:buFont typeface="Wingdings" pitchFamily="2" charset="2"/>
-              <a:buChar char="Ø"/>
-            </a:pPr>
-            <a:r>
-              <a:rPr lang="ru-RU" sz="2000" dirty="0" err="1" smtClean="0">
-                <a:cs typeface="Arial" pitchFamily="34" charset="0"/>
-              </a:rPr>
-              <a:t>детекция</a:t>
-            </a:r>
-            <a:r>
-              <a:rPr lang="ru-RU" sz="2000" dirty="0" smtClean="0">
-                <a:cs typeface="Arial" pitchFamily="34" charset="0"/>
-              </a:rPr>
-              <a:t> с помощью метода </a:t>
-            </a:r>
-            <a:r>
-              <a:rPr lang="ru-RU" sz="2000" dirty="0" err="1" smtClean="0">
-                <a:cs typeface="Arial" pitchFamily="34" charset="0"/>
-              </a:rPr>
-              <a:t>Вилоы-Джонса</a:t>
-            </a:r>
-            <a:r>
-              <a:rPr lang="ru-RU" sz="2000" dirty="0" smtClean="0">
-                <a:cs typeface="Arial" pitchFamily="34" charset="0"/>
-              </a:rPr>
-              <a:t> лиц на полученном кадре</a:t>
-            </a:r>
-          </a:p>
-          <a:p>
-            <a:pPr>
-              <a:buFont typeface="Wingdings" pitchFamily="2" charset="2"/>
-              <a:buChar char="Ø"/>
-            </a:pPr>
-            <a:endParaRPr lang="ru-RU" sz="2000" dirty="0" smtClean="0">
-              <a:cs typeface="Arial" pitchFamily="34" charset="0"/>
-            </a:endParaRPr>
-          </a:p>
-          <a:p>
-            <a:pPr>
-              <a:buFont typeface="Wingdings" pitchFamily="2" charset="2"/>
-              <a:buChar char="Ø"/>
-            </a:pPr>
-            <a:r>
-              <a:rPr lang="ru-RU" sz="2000" dirty="0" smtClean="0">
-                <a:cs typeface="Arial" pitchFamily="34" charset="0"/>
-              </a:rPr>
-              <a:t> </a:t>
-            </a:r>
-            <a:r>
-              <a:rPr lang="ru-RU" sz="2000" dirty="0" err="1" smtClean="0">
-                <a:cs typeface="Arial" pitchFamily="34" charset="0"/>
-              </a:rPr>
-              <a:t>подотовка</a:t>
-            </a:r>
-            <a:r>
-              <a:rPr lang="ru-RU" sz="2000" dirty="0" smtClean="0">
-                <a:cs typeface="Arial" pitchFamily="34" charset="0"/>
-              </a:rPr>
-              <a:t> полученных областей от метода Виолы-Джонса для входа  на обученную нейронную сеть</a:t>
-            </a:r>
-          </a:p>
-          <a:p>
-            <a:pPr>
-              <a:buFont typeface="Wingdings" pitchFamily="2" charset="2"/>
-              <a:buChar char="Ø"/>
-            </a:pPr>
-            <a:endParaRPr lang="ru-RU" sz="2000" dirty="0" smtClean="0">
-              <a:cs typeface="Arial" pitchFamily="34" charset="0"/>
-            </a:endParaRPr>
-          </a:p>
-          <a:p>
-            <a:pPr>
-              <a:buFont typeface="Wingdings" pitchFamily="2" charset="2"/>
-              <a:buChar char="Ø"/>
-            </a:pPr>
-            <a:r>
-              <a:rPr lang="ru-RU" sz="2000" dirty="0" smtClean="0">
-                <a:cs typeface="Arial" pitchFamily="34" charset="0"/>
-              </a:rPr>
-              <a:t>получение точек лица с </a:t>
-            </a:r>
-            <a:r>
-              <a:rPr lang="ru-RU" sz="2000" dirty="0" smtClean="0">
-                <a:cs typeface="Arial" pitchFamily="34" charset="0"/>
-              </a:rPr>
-              <a:t>помощью сверточной </a:t>
-            </a:r>
-            <a:r>
-              <a:rPr lang="ru-RU" sz="2000" dirty="0" smtClean="0">
-                <a:cs typeface="Arial" pitchFamily="34" charset="0"/>
-              </a:rPr>
-              <a:t>нейронной сети</a:t>
-            </a:r>
-          </a:p>
-          <a:p>
-            <a:pPr>
-              <a:buFont typeface="Wingdings" pitchFamily="2" charset="2"/>
-              <a:buChar char="Ø"/>
-            </a:pPr>
-            <a:endParaRPr lang="ru-RU" sz="2000" dirty="0" smtClean="0">
-              <a:cs typeface="Arial" pitchFamily="34" charset="0"/>
-            </a:endParaRPr>
-          </a:p>
-          <a:p>
-            <a:pPr>
-              <a:buFont typeface="Wingdings" pitchFamily="2" charset="2"/>
-              <a:buChar char="Ø"/>
-            </a:pPr>
-            <a:r>
-              <a:rPr lang="ru-RU" sz="2000" dirty="0" smtClean="0">
-                <a:cs typeface="Arial" pitchFamily="34" charset="0"/>
-              </a:rPr>
-              <a:t>визуализация полученных точек на текущем кадре </a:t>
-            </a:r>
-          </a:p>
-        </p:txBody>
-      </p:sp>
-    </p:spTree>
-  </p:cSld>
-  <p:clrMapOvr>
-    <a:masterClrMapping/>
-  </p:clrMapOvr>
-  <p:timing>
-    <p:tnLst>
-      <p:par>
-        <p:cTn id="1" dur="indefinite" restart="never" nodeType="tmRoot"/>
-      </p:par>
-    </p:tnLst>
-  </p:timing>
-</p:sld>
-</file>
-
-<file path=ppt/slides/slide6.xml><?xml version="1.0" encoding="utf-8"?>
-<p:sld xmlns:a="http://schemas.openxmlformats.org/drawingml/2006/main" xmlns:r="http://schemas.openxmlformats.org/officeDocument/2006/relationships" xmlns:p="http://schemas.openxmlformats.org/presentationml/2006/main">
-  <p:cSld>
-    <p:spTree>
-      <p:nvGrpSpPr>
-        <p:cNvPr id="1" name=""/>
-        <p:cNvGrpSpPr/>
-        <p:nvPr/>
-      </p:nvGrpSpPr>
-      <p:grpSpPr>
-        <a:xfrm>
-          <a:off x="0" y="0"/>
-          <a:ext cx="0" cy="0"/>
-          <a:chOff x="0" y="0"/>
-          <a:chExt cx="0" cy="0"/>
-        </a:xfrm>
-      </p:grpSpPr>
-      <p:sp>
-        <p:nvSpPr>
-          <p:cNvPr id="2" name="Заголовок 1"/>
-          <p:cNvSpPr>
-            <a:spLocks noGrp="1"/>
-          </p:cNvSpPr>
-          <p:nvPr>
-            <p:ph type="title"/>
-          </p:nvPr>
-        </p:nvSpPr>
-        <p:spPr>
-          <a:xfrm>
-            <a:off x="467544" y="260648"/>
-            <a:ext cx="8229600" cy="1143000"/>
-          </a:xfrm>
-        </p:spPr>
-        <p:txBody>
-          <a:bodyPr>
-            <a:noAutofit/>
-          </a:bodyPr>
-          <a:lstStyle/>
-          <a:p>
-            <a:pPr algn="ctr"/>
-            <a:r>
-              <a:rPr lang="ru-RU" sz="3600" b="1" dirty="0" smtClean="0">
-                <a:ln w="12700" cmpd="sng">
-                  <a:solidFill>
-                    <a:schemeClr val="tx1">
-                      <a:lumMod val="95000"/>
-                      <a:lumOff val="5000"/>
-                    </a:schemeClr>
-                  </a:solidFill>
-                  <a:prstDash val="solid"/>
-                </a:ln>
-                <a:solidFill>
-                  <a:schemeClr val="bg1">
-                    <a:lumMod val="50000"/>
-                  </a:schemeClr>
-                </a:solidFill>
-                <a:effectLst>
-                  <a:outerShdw blurRad="41275" dist="12700" dir="12000000" algn="tl" rotWithShape="0">
-                    <a:srgbClr val="000000">
-                      <a:alpha val="40000"/>
-                    </a:srgbClr>
-                  </a:outerShdw>
-                  <a:reflection blurRad="6350" stA="55000" endA="300" endPos="45500" dir="5400000" sy="-100000" algn="bl" rotWithShape="0"/>
-                </a:effectLst>
-                <a:latin typeface="Arial" pitchFamily="34" charset="0"/>
-                <a:cs typeface="Arial" pitchFamily="34" charset="0"/>
-              </a:rPr>
-              <a:t>Получение кадра с </a:t>
-            </a:r>
-            <a:r>
-              <a:rPr lang="ru-RU" sz="3600" b="1" dirty="0" err="1" smtClean="0">
-                <a:ln w="12700" cmpd="sng">
-                  <a:solidFill>
-                    <a:schemeClr val="tx1">
-                      <a:lumMod val="95000"/>
-                      <a:lumOff val="5000"/>
-                    </a:schemeClr>
-                  </a:solidFill>
-                  <a:prstDash val="solid"/>
-                </a:ln>
-                <a:solidFill>
-                  <a:schemeClr val="bg1">
-                    <a:lumMod val="50000"/>
-                  </a:schemeClr>
-                </a:solidFill>
-                <a:effectLst>
-                  <a:outerShdw blurRad="41275" dist="12700" dir="12000000" algn="tl" rotWithShape="0">
-                    <a:srgbClr val="000000">
-                      <a:alpha val="40000"/>
-                    </a:srgbClr>
-                  </a:outerShdw>
-                  <a:reflection blurRad="6350" stA="55000" endA="300" endPos="45500" dir="5400000" sy="-100000" algn="bl" rotWithShape="0"/>
-                </a:effectLst>
-                <a:latin typeface="Arial" pitchFamily="34" charset="0"/>
-                <a:cs typeface="Arial" pitchFamily="34" charset="0"/>
-              </a:rPr>
-              <a:t>веб</a:t>
-            </a:r>
-            <a:r>
-              <a:rPr lang="ru-RU" sz="3600" b="1" dirty="0" smtClean="0">
-                <a:ln w="12700" cmpd="sng">
-                  <a:solidFill>
-                    <a:schemeClr val="tx1">
-                      <a:lumMod val="95000"/>
-                      <a:lumOff val="5000"/>
-                    </a:schemeClr>
-                  </a:solidFill>
-                  <a:prstDash val="solid"/>
-                </a:ln>
-                <a:solidFill>
-                  <a:schemeClr val="bg1">
-                    <a:lumMod val="50000"/>
-                  </a:schemeClr>
-                </a:solidFill>
-                <a:effectLst>
-                  <a:outerShdw blurRad="41275" dist="12700" dir="12000000" algn="tl" rotWithShape="0">
-                    <a:srgbClr val="000000">
-                      <a:alpha val="40000"/>
-                    </a:srgbClr>
-                  </a:outerShdw>
-                  <a:reflection blurRad="6350" stA="55000" endA="300" endPos="45500" dir="5400000" sy="-100000" algn="bl" rotWithShape="0"/>
-                </a:effectLst>
-                <a:latin typeface="Arial" pitchFamily="34" charset="0"/>
-                <a:cs typeface="Arial" pitchFamily="34" charset="0"/>
-              </a:rPr>
-              <a:t> камеры</a:t>
-            </a:r>
-            <a:endParaRPr lang="ru-RU" sz="3200" dirty="0"/>
-          </a:p>
-        </p:txBody>
-      </p:sp>
-      <p:sp>
-        <p:nvSpPr>
-          <p:cNvPr id="4" name="Номер слайда 3"/>
-          <p:cNvSpPr>
-            <a:spLocks noGrp="1"/>
-          </p:cNvSpPr>
-          <p:nvPr>
-            <p:ph type="sldNum" sz="quarter" idx="12"/>
-          </p:nvPr>
-        </p:nvSpPr>
-        <p:spPr/>
-        <p:txBody>
-          <a:bodyPr/>
-          <a:lstStyle/>
-          <a:p>
-            <a:fld id="{7498795A-CFA5-45B7-82FE-35C0C684350C}" type="slidenum">
-              <a:rPr lang="ru-RU" smtClean="0"/>
-              <a:pPr/>
-              <a:t>6</a:t>
-            </a:fld>
-            <a:endParaRPr lang="ru-RU"/>
-          </a:p>
-        </p:txBody>
-      </p:sp>
-      <p:sp>
-        <p:nvSpPr>
-          <p:cNvPr id="8" name="Прямоугольник 7"/>
-          <p:cNvSpPr/>
-          <p:nvPr/>
-        </p:nvSpPr>
-        <p:spPr>
-          <a:xfrm>
-            <a:off x="827584" y="2060848"/>
-            <a:ext cx="7200800" cy="923330"/>
-          </a:xfrm>
-          <a:prstGeom prst="rect">
-            <a:avLst/>
-          </a:prstGeom>
-        </p:spPr>
-        <p:txBody>
-          <a:bodyPr wrap="square">
-            <a:spAutoFit/>
-          </a:bodyPr>
-          <a:lstStyle/>
-          <a:p>
             <a:r>
               <a:rPr lang="ru-RU" dirty="0" smtClean="0"/>
               <a:t>Пользуясь библиотекой </a:t>
@@ -8266,11 +8319,7 @@
             </a:r>
             <a:r>
               <a:rPr lang="ru-RU" i="1" dirty="0" smtClean="0"/>
-              <a:t> </a:t>
-            </a:r>
-            <a:r>
-              <a:rPr lang="ru-RU" i="1" dirty="0" smtClean="0"/>
-              <a:t>(</a:t>
+              <a:t> (</a:t>
             </a:r>
             <a:r>
               <a:rPr lang="ru-RU" i="1" dirty="0" err="1" smtClean="0"/>
@@ -8318,7 +8367,15 @@
             </a:r>
             <a:r>
               <a:rPr lang="ru-RU" dirty="0" smtClean="0"/>
-              <a:t>получаем текущий кадр в режиме реального времени</a:t>
+              <a:t>получаем текущий кадр в режиме реального времени с </a:t>
+            </a:r>
+            <a:r>
+              <a:rPr lang="ru-RU" dirty="0" err="1" smtClean="0"/>
+              <a:t>веб</a:t>
+            </a:r>
+            <a:r>
+              <a:rPr lang="ru-RU" dirty="0" smtClean="0"/>
+              <a:t> камеры с частотой кадров 30 в секунду.</a:t>
             </a:r>
             <a:endParaRPr lang="ru-RU" dirty="0"/>
           </a:p>
@@ -8341,7 +8398,7 @@
         </p:blipFill>
         <p:spPr bwMode="auto">
           <a:xfrm>
-            <a:off x="3491880" y="3284984"/>
+            <a:off x="3347864" y="3284984"/>
             <a:ext cx="2448272" cy="3016272"/>
           </a:xfrm>
           <a:prstGeom prst="rect">
@@ -8358,7 +8415,7 @@
 </p:sld>
 </file>
 
-<file path=ppt/slides/slide7.xml><?xml version="1.0" encoding="utf-8"?>
+<file path=ppt/slides/slide5.xml><?xml version="1.0" encoding="utf-8"?>
 <p:sld xmlns:a="http://schemas.openxmlformats.org/drawingml/2006/main" xmlns:r="http://schemas.openxmlformats.org/officeDocument/2006/relationships" xmlns:p="http://schemas.openxmlformats.org/presentationml/2006/main">
   <p:cSld>
     <p:spTree>
@@ -8491,7 +8548,7 @@
             <a:fld id="{7498795A-CFA5-45B7-82FE-35C0C684350C}" type="slidenum">
               <a:rPr lang="ru-RU" smtClean="0"/>
               <a:pPr/>
-              <a:t>7</a:t>
+              <a:t>5</a:t>
             </a:fld>
             <a:endParaRPr lang="ru-RU"/>
           </a:p>
@@ -8499,43 +8556,45 @@
       </p:sp>
       <p:sp>
         <p:nvSpPr>
-          <p:cNvPr id="6" name="Прямоугольник 5"/>
-          <p:cNvSpPr/>
+          <p:cNvPr id="6146" name="Rectangle 2"/>
+          <p:cNvSpPr>
+            <a:spLocks noChangeArrowheads="1"/>
+          </p:cNvSpPr>
           <p:nvPr/>
         </p:nvSpPr>
-        <p:spPr>
-          <a:xfrm>
-            <a:off x="179512" y="1484784"/>
-            <a:ext cx="3744416" cy="1323439"/>
+        <p:spPr bwMode="auto">
+          <a:xfrm>
+            <a:off x="0" y="0"/>
+            <a:ext cx="9144000" cy="0"/>
           </a:xfrm>
           <a:prstGeom prst="rect">
             <a:avLst/>
           </a:prstGeom>
-        </p:spPr>
-        <p:txBody>
-          <a:bodyPr wrap="square">
+          <a:noFill/>
+          <a:ln w="9525">
+            <a:noFill/>
+            <a:miter lim="800000"/>
+            <a:headEnd/>
+            <a:tailEnd/>
+          </a:ln>
+          <a:effectLst/>
+        </p:spPr>
+        <p:txBody>
+          <a:bodyPr vert="horz" wrap="none" lIns="91440" tIns="45720" rIns="91440" bIns="45720" numCol="1" anchor="ctr" anchorCtr="0" compatLnSpc="1">
+            <a:prstTxWarp prst="textNoShape">
+              <a:avLst/>
+            </a:prstTxWarp>
             <a:spAutoFit/>
           </a:bodyPr>
           <a:lstStyle/>
           <a:p>
-            <a:r>
-              <a:rPr lang="ru-RU" sz="1600" dirty="0" smtClean="0"/>
-              <a:t>Суть метода заключается </a:t>
-            </a:r>
-            <a:r>
-              <a:rPr lang="ru-RU" sz="1600" dirty="0" smtClean="0"/>
-              <a:t>в нахождении на изображении определенных перепадов яркостей, </a:t>
-            </a:r>
-            <a:r>
-              <a:rPr lang="ru-RU" sz="1600" dirty="0" smtClean="0"/>
-              <a:t>по какому-либо шаблону, характерному для лица человека.</a:t>
-            </a:r>
+            <a:endParaRPr lang="ru-RU"/>
           </a:p>
         </p:txBody>
       </p:sp>
       <p:pic>
         <p:nvPicPr>
-          <p:cNvPr id="7" name="Рисунок 6" descr="C:\Users\stranger\Desktop\1.png"/>
+          <p:cNvPr id="8" name="Рисунок 7" descr="C:\Users\stranger\Desktop\integral-image.jpg"/>
           <p:cNvPicPr/>
           <p:nvPr/>
         </p:nvPicPr>
@@ -8548,8 +8607,8 @@
         </p:blipFill>
         <p:spPr bwMode="auto">
           <a:xfrm>
-            <a:off x="467544" y="3140968"/>
-            <a:ext cx="2736304" cy="2304256"/>
+            <a:off x="3131840" y="1916832"/>
+            <a:ext cx="2880320" cy="2448272"/>
           </a:xfrm>
           <a:prstGeom prst="rect">
             <a:avLst/>
@@ -8565,7 +8624,7 @@
       </p:pic>
       <p:sp>
         <p:nvSpPr>
-          <p:cNvPr id="6146" name="Rectangle 2"/>
+          <p:cNvPr id="6148" name="Rectangle 4"/>
           <p:cNvSpPr>
             <a:spLocks noChangeArrowheads="1"/>
           </p:cNvSpPr>
@@ -8601,9 +8660,138 @@
           </a:p>
         </p:txBody>
       </p:sp>
+      <p:sp>
+        <p:nvSpPr>
+          <p:cNvPr id="6150" name="Rectangle 6"/>
+          <p:cNvSpPr>
+            <a:spLocks noChangeArrowheads="1"/>
+          </p:cNvSpPr>
+          <p:nvPr/>
+        </p:nvSpPr>
+        <p:spPr bwMode="auto">
+          <a:xfrm>
+            <a:off x="0" y="0"/>
+            <a:ext cx="9144000" cy="0"/>
+          </a:xfrm>
+          <a:prstGeom prst="rect">
+            <a:avLst/>
+          </a:prstGeom>
+          <a:noFill/>
+          <a:ln w="9525">
+            <a:noFill/>
+            <a:miter lim="800000"/>
+            <a:headEnd/>
+            <a:tailEnd/>
+          </a:ln>
+          <a:effectLst/>
+        </p:spPr>
+        <p:txBody>
+          <a:bodyPr vert="horz" wrap="none" lIns="91440" tIns="45720" rIns="91440" bIns="45720" numCol="1" anchor="ctr" anchorCtr="0" compatLnSpc="1">
+            <a:prstTxWarp prst="textNoShape">
+              <a:avLst/>
+            </a:prstTxWarp>
+            <a:spAutoFit/>
+          </a:bodyPr>
+          <a:lstStyle/>
+          <a:p>
+            <a:endParaRPr lang="ru-RU"/>
+          </a:p>
+        </p:txBody>
+      </p:sp>
+      <p:sp>
+        <p:nvSpPr>
+          <p:cNvPr id="16" name="Прямоугольник 15"/>
+          <p:cNvSpPr/>
+          <p:nvPr/>
+        </p:nvSpPr>
+        <p:spPr>
+          <a:xfrm>
+            <a:off x="1115616" y="1340768"/>
+            <a:ext cx="6956904" cy="646331"/>
+          </a:xfrm>
+          <a:prstGeom prst="rect">
+            <a:avLst/>
+          </a:prstGeom>
+        </p:spPr>
+        <p:txBody>
+          <a:bodyPr wrap="none">
+            <a:spAutoFit/>
+          </a:bodyPr>
+          <a:lstStyle/>
+          <a:p>
+            <a:r>
+              <a:rPr lang="ru-RU" b="1" dirty="0" smtClean="0">
+                <a:ea typeface="Calibri" pitchFamily="34" charset="0"/>
+                <a:cs typeface="Times New Roman" pitchFamily="18" charset="0"/>
+              </a:rPr>
+              <a:t>Вычисление интегрального представления изображения в </a:t>
+            </a:r>
+            <a:endParaRPr lang="en-US" b="1" dirty="0" smtClean="0">
+              <a:ea typeface="Calibri" pitchFamily="34" charset="0"/>
+              <a:cs typeface="Times New Roman" pitchFamily="18" charset="0"/>
+            </a:endParaRPr>
+          </a:p>
+          <a:p>
+            <a:pPr algn="ctr"/>
+            <a:r>
+              <a:rPr lang="ru-RU" b="1" dirty="0" smtClean="0">
+                <a:ea typeface="Calibri" pitchFamily="34" charset="0"/>
+                <a:cs typeface="Times New Roman" pitchFamily="18" charset="0"/>
+              </a:rPr>
+              <a:t>прямоугольнике </a:t>
+            </a:r>
+            <a:r>
+              <a:rPr lang="en-US" b="1" dirty="0" smtClean="0">
+                <a:ea typeface="Calibri" pitchFamily="34" charset="0"/>
+                <a:cs typeface="Times New Roman" pitchFamily="18" charset="0"/>
+              </a:rPr>
+              <a:t>ABCD</a:t>
+            </a:r>
+            <a:endParaRPr lang="ru-RU" b="1" dirty="0"/>
+          </a:p>
+        </p:txBody>
+      </p:sp>
+      <p:sp>
+        <p:nvSpPr>
+          <p:cNvPr id="7185" name="Rectangle 17"/>
+          <p:cNvSpPr>
+            <a:spLocks noChangeArrowheads="1"/>
+          </p:cNvSpPr>
+          <p:nvPr/>
+        </p:nvSpPr>
+        <p:spPr bwMode="auto">
+          <a:xfrm>
+            <a:off x="0" y="0"/>
+            <a:ext cx="9144000" cy="0"/>
+          </a:xfrm>
+          <a:prstGeom prst="rect">
+            <a:avLst/>
+          </a:prstGeom>
+          <a:noFill/>
+          <a:ln w="9525">
+            <a:noFill/>
+            <a:miter lim="800000"/>
+            <a:headEnd/>
+            <a:tailEnd/>
+          </a:ln>
+          <a:effectLst/>
+        </p:spPr>
+        <p:txBody>
+          <a:bodyPr vert="horz" wrap="none" lIns="91440" tIns="45720" rIns="91440" bIns="45720" numCol="1" anchor="ctr" anchorCtr="0" compatLnSpc="1">
+            <a:prstTxWarp prst="textNoShape">
+              <a:avLst/>
+            </a:prstTxWarp>
+            <a:spAutoFit/>
+          </a:bodyPr>
+          <a:lstStyle/>
+          <a:p>
+            <a:endParaRPr lang="ru-RU"/>
+          </a:p>
+        </p:txBody>
+      </p:sp>
       <p:pic>
         <p:nvPicPr>
-          <p:cNvPr id="6145" name="Picture 1"/>
+          <p:cNvPr id="7184" name="Picture 16"/>
           <p:cNvPicPr>
             <a:picLocks noChangeAspect="1" noChangeArrowheads="1"/>
           </p:cNvPicPr>
@@ -8629,8 +8817,8 @@
         </p:blipFill>
         <p:spPr bwMode="auto">
           <a:xfrm>
-            <a:off x="4716016" y="1700808"/>
-            <a:ext cx="1847850" cy="657225"/>
+            <a:off x="1907704" y="4221088"/>
+            <a:ext cx="5257800" cy="523875"/>
           </a:xfrm>
           <a:prstGeom prst="rect">
             <a:avLst/>
@@ -8638,39 +8826,9 @@
           <a:noFill/>
         </p:spPr>
       </p:pic>
-      <p:pic>
-        <p:nvPicPr>
-          <p:cNvPr id="8" name="Рисунок 7" descr="C:\Users\stranger\Desktop\integral-image.jpg"/>
-          <p:cNvPicPr/>
-          <p:nvPr/>
-        </p:nvPicPr>
-        <p:blipFill>
-          <a:blip r:embed="rId4" cstate="print"/>
-          <a:srcRect/>
-          <a:stretch>
-            <a:fillRect/>
-          </a:stretch>
-        </p:blipFill>
-        <p:spPr bwMode="auto">
-          <a:xfrm>
-            <a:off x="4572000" y="2636912"/>
-            <a:ext cx="2232248" cy="1800200"/>
-          </a:xfrm>
-          <a:prstGeom prst="rect">
-            <a:avLst/>
-          </a:prstGeom>
-          <a:noFill/>
-          <a:ln w="9525">
-            <a:noFill/>
-            <a:miter lim="800000"/>
-            <a:headEnd/>
-            <a:tailEnd/>
-          </a:ln>
-        </p:spPr>
-      </p:pic>
-      <p:sp>
-        <p:nvSpPr>
-          <p:cNvPr id="6148" name="Rectangle 4"/>
+      <p:sp>
+        <p:nvSpPr>
+          <p:cNvPr id="7187" name="Rectangle 19"/>
           <p:cNvSpPr>
             <a:spLocks noChangeArrowheads="1"/>
           </p:cNvSpPr>
@@ -8708,7 +8866,158 @@
       </p:sp>
       <p:pic>
         <p:nvPicPr>
-          <p:cNvPr id="6147" name="Picture 3"/>
+          <p:cNvPr id="7186" name="Picture 18"/>
+          <p:cNvPicPr>
+            <a:picLocks noChangeAspect="1" noChangeArrowheads="1"/>
+          </p:cNvPicPr>
+          <p:nvPr/>
+        </p:nvPicPr>
+        <p:blipFill>
+          <a:blip r:embed="rId4" cstate="print">
+            <a:clrChange>
+              <a:clrFrom>
+                <a:srgbClr val="FFFFFF"/>
+              </a:clrFrom>
+              <a:clrTo>
+                <a:srgbClr val="FFFFFF">
+                  <a:alpha val="0"/>
+                </a:srgbClr>
+              </a:clrTo>
+            </a:clrChange>
+          </a:blip>
+          <a:srcRect/>
+          <a:stretch>
+            <a:fillRect/>
+          </a:stretch>
+        </p:blipFill>
+        <p:spPr bwMode="auto">
+          <a:xfrm>
+            <a:off x="3203848" y="4797152"/>
+            <a:ext cx="2657475" cy="933450"/>
+          </a:xfrm>
+          <a:prstGeom prst="rect">
+            <a:avLst/>
+          </a:prstGeom>
+          <a:noFill/>
+        </p:spPr>
+      </p:pic>
+      <p:sp>
+        <p:nvSpPr>
+          <p:cNvPr id="7189" name="Rectangle 21"/>
+          <p:cNvSpPr>
+            <a:spLocks noChangeArrowheads="1"/>
+          </p:cNvSpPr>
+          <p:nvPr/>
+        </p:nvSpPr>
+        <p:spPr bwMode="auto">
+          <a:xfrm>
+            <a:off x="0" y="0"/>
+            <a:ext cx="9144000" cy="0"/>
+          </a:xfrm>
+          <a:prstGeom prst="rect">
+            <a:avLst/>
+          </a:prstGeom>
+          <a:noFill/>
+          <a:ln w="9525">
+            <a:noFill/>
+            <a:miter lim="800000"/>
+            <a:headEnd/>
+            <a:tailEnd/>
+          </a:ln>
+          <a:effectLst/>
+        </p:spPr>
+        <p:txBody>
+          <a:bodyPr vert="horz" wrap="none" lIns="91440" tIns="45720" rIns="91440" bIns="45720" numCol="1" anchor="ctr" anchorCtr="0" compatLnSpc="1">
+            <a:prstTxWarp prst="textNoShape">
+              <a:avLst/>
+            </a:prstTxWarp>
+            <a:spAutoFit/>
+          </a:bodyPr>
+          <a:lstStyle/>
+          <a:p>
+            <a:endParaRPr lang="ru-RU"/>
+          </a:p>
+        </p:txBody>
+      </p:sp>
+      <p:sp>
+        <p:nvSpPr>
+          <p:cNvPr id="7191" name="Rectangle 23"/>
+          <p:cNvSpPr>
+            <a:spLocks noChangeArrowheads="1"/>
+          </p:cNvSpPr>
+          <p:nvPr/>
+        </p:nvSpPr>
+        <p:spPr bwMode="auto">
+          <a:xfrm>
+            <a:off x="0" y="0"/>
+            <a:ext cx="9144000" cy="0"/>
+          </a:xfrm>
+          <a:prstGeom prst="rect">
+            <a:avLst/>
+          </a:prstGeom>
+          <a:noFill/>
+          <a:ln w="9525">
+            <a:noFill/>
+            <a:miter lim="800000"/>
+            <a:headEnd/>
+            <a:tailEnd/>
+          </a:ln>
+          <a:effectLst/>
+        </p:spPr>
+        <p:txBody>
+          <a:bodyPr vert="horz" wrap="none" lIns="91440" tIns="45720" rIns="91440" bIns="45720" numCol="1" anchor="ctr" anchorCtr="0" compatLnSpc="1">
+            <a:prstTxWarp prst="textNoShape">
+              <a:avLst/>
+            </a:prstTxWarp>
+            <a:spAutoFit/>
+          </a:bodyPr>
+          <a:lstStyle/>
+          <a:p>
+            <a:endParaRPr lang="ru-RU"/>
+          </a:p>
+        </p:txBody>
+      </p:sp>
+      <p:sp>
+        <p:nvSpPr>
+          <p:cNvPr id="7193" name="Rectangle 25"/>
+          <p:cNvSpPr>
+            <a:spLocks noChangeArrowheads="1"/>
+          </p:cNvSpPr>
+          <p:nvPr/>
+        </p:nvSpPr>
+        <p:spPr bwMode="auto">
+          <a:xfrm>
+            <a:off x="0" y="0"/>
+            <a:ext cx="9144000" cy="0"/>
+          </a:xfrm>
+          <a:prstGeom prst="rect">
+            <a:avLst/>
+          </a:prstGeom>
+          <a:noFill/>
+          <a:ln w="9525">
+            <a:noFill/>
+            <a:miter lim="800000"/>
+            <a:headEnd/>
+            <a:tailEnd/>
+          </a:ln>
+          <a:effectLst/>
+        </p:spPr>
+        <p:txBody>
+          <a:bodyPr vert="horz" wrap="none" lIns="91440" tIns="45720" rIns="91440" bIns="45720" numCol="1" anchor="ctr" anchorCtr="0" compatLnSpc="1">
+            <a:prstTxWarp prst="textNoShape">
+              <a:avLst/>
+            </a:prstTxWarp>
+            <a:spAutoFit/>
+          </a:bodyPr>
+          <a:lstStyle/>
+          <a:p>
+            <a:endParaRPr lang="ru-RU"/>
+          </a:p>
+        </p:txBody>
+      </p:sp>
+      <p:pic>
+        <p:nvPicPr>
+          <p:cNvPr id="7195" name="Picture 27"/>
           <p:cNvPicPr>
             <a:picLocks noChangeAspect="1" noChangeArrowheads="1"/>
           </p:cNvPicPr>
@@ -8734,8 +9043,8 @@
         </p:blipFill>
         <p:spPr bwMode="auto">
           <a:xfrm>
-            <a:off x="4644008" y="4509120"/>
-            <a:ext cx="3667125" cy="361950"/>
+            <a:off x="7092280" y="5661248"/>
+            <a:ext cx="590550" cy="295275"/>
           </a:xfrm>
           <a:prstGeom prst="rect">
             <a:avLst/>
@@ -8743,47 +9052,9 @@
           <a:noFill/>
         </p:spPr>
       </p:pic>
-      <p:sp>
-        <p:nvSpPr>
-          <p:cNvPr id="6150" name="Rectangle 6"/>
-          <p:cNvSpPr>
-            <a:spLocks noChangeArrowheads="1"/>
-          </p:cNvSpPr>
-          <p:nvPr/>
-        </p:nvSpPr>
-        <p:spPr bwMode="auto">
-          <a:xfrm>
-            <a:off x="0" y="0"/>
-            <a:ext cx="9144000" cy="0"/>
-          </a:xfrm>
-          <a:prstGeom prst="rect">
-            <a:avLst/>
-          </a:prstGeom>
-          <a:noFill/>
-          <a:ln w="9525">
-            <a:noFill/>
-            <a:miter lim="800000"/>
-            <a:headEnd/>
-            <a:tailEnd/>
-          </a:ln>
-          <a:effectLst/>
-        </p:spPr>
-        <p:txBody>
-          <a:bodyPr vert="horz" wrap="none" lIns="91440" tIns="45720" rIns="91440" bIns="45720" numCol="1" anchor="ctr" anchorCtr="0" compatLnSpc="1">
-            <a:prstTxWarp prst="textNoShape">
-              <a:avLst/>
-            </a:prstTxWarp>
-            <a:spAutoFit/>
-          </a:bodyPr>
-          <a:lstStyle/>
-          <a:p>
-            <a:endParaRPr lang="ru-RU"/>
-          </a:p>
-        </p:txBody>
-      </p:sp>
       <p:pic>
         <p:nvPicPr>
-          <p:cNvPr id="6149" name="Picture 5"/>
+          <p:cNvPr id="7194" name="Picture 26"/>
           <p:cNvPicPr>
             <a:picLocks noChangeAspect="1" noChangeArrowheads="1"/>
           </p:cNvPicPr>
@@ -8809,8 +9080,8 @@
         </p:blipFill>
         <p:spPr bwMode="auto">
           <a:xfrm>
-            <a:off x="4716016" y="5157192"/>
-            <a:ext cx="800100" cy="209550"/>
+            <a:off x="539552" y="6093296"/>
+            <a:ext cx="647700" cy="295275"/>
           </a:xfrm>
           <a:prstGeom prst="rect">
             <a:avLst/>
@@ -8820,153 +9091,176 @@
       </p:pic>
       <p:sp>
         <p:nvSpPr>
-          <p:cNvPr id="6154" name="Rectangle 10"/>
-          <p:cNvSpPr>
-            <a:spLocks noChangeArrowheads="1"/>
-          </p:cNvSpPr>
+          <p:cNvPr id="49" name="Прямоугольник 48"/>
+          <p:cNvSpPr/>
           <p:nvPr/>
         </p:nvSpPr>
+        <p:spPr>
+          <a:xfrm>
+            <a:off x="395536" y="5661248"/>
+            <a:ext cx="576064" cy="369332"/>
+          </a:xfrm>
+          <a:prstGeom prst="rect">
+            <a:avLst/>
+          </a:prstGeom>
+        </p:spPr>
+        <p:txBody>
+          <a:bodyPr wrap="square">
+            <a:spAutoFit/>
+          </a:bodyPr>
+          <a:lstStyle/>
+          <a:p>
+            <a:r>
+              <a:rPr lang="ru-RU" dirty="0" smtClean="0">
+                <a:ea typeface="Calibri" pitchFamily="34" charset="0"/>
+                <a:cs typeface="Times New Roman" pitchFamily="18" charset="0"/>
+              </a:rPr>
+              <a:t>где </a:t>
+            </a:r>
+            <a:endParaRPr lang="ru-RU" dirty="0"/>
+          </a:p>
+        </p:txBody>
+      </p:sp>
+      <p:pic>
+        <p:nvPicPr>
+          <p:cNvPr id="50" name="Picture 28"/>
+          <p:cNvPicPr>
+            <a:picLocks noChangeAspect="1" noChangeArrowheads="1"/>
+          </p:cNvPicPr>
+          <p:nvPr/>
+        </p:nvPicPr>
+        <p:blipFill>
+          <a:blip r:embed="rId7" cstate="print">
+            <a:clrChange>
+              <a:clrFrom>
+                <a:srgbClr val="FFFFFF"/>
+              </a:clrFrom>
+              <a:clrTo>
+                <a:srgbClr val="FFFFFF">
+                  <a:alpha val="0"/>
+                </a:srgbClr>
+              </a:clrTo>
+            </a:clrChange>
+          </a:blip>
+          <a:srcRect/>
+          <a:stretch>
+            <a:fillRect/>
+          </a:stretch>
+        </p:blipFill>
         <p:spPr bwMode="auto">
           <a:xfrm>
-            <a:off x="4427984" y="5373216"/>
-            <a:ext cx="4572000" cy="954107"/>
+            <a:off x="899592" y="5661248"/>
+            <a:ext cx="952500" cy="295275"/>
           </a:xfrm>
           <a:prstGeom prst="rect">
             <a:avLst/>
           </a:prstGeom>
           <a:noFill/>
-          <a:ln w="9525">
-            <a:noFill/>
-            <a:miter lim="800000"/>
-            <a:headEnd/>
-            <a:tailEnd/>
-          </a:ln>
-          <a:effectLst/>
-        </p:spPr>
-        <p:txBody>
-          <a:bodyPr vert="horz" wrap="square" lIns="91440" tIns="45720" rIns="91440" bIns="45720" numCol="1" anchor="ctr" anchorCtr="0" compatLnSpc="1">
-            <a:prstTxWarp prst="textNoShape">
-              <a:avLst/>
-            </a:prstTxWarp>
+        </p:spPr>
+      </p:pic>
+      <p:sp>
+        <p:nvSpPr>
+          <p:cNvPr id="52" name="Прямоугольник 51"/>
+          <p:cNvSpPr/>
+          <p:nvPr/>
+        </p:nvSpPr>
+        <p:spPr>
+          <a:xfrm>
+            <a:off x="1907704" y="5661248"/>
+            <a:ext cx="5208477" cy="369332"/>
+          </a:xfrm>
+          <a:prstGeom prst="rect">
+            <a:avLst/>
+          </a:prstGeom>
+        </p:spPr>
+        <p:txBody>
+          <a:bodyPr wrap="none">
             <a:spAutoFit/>
           </a:bodyPr>
           <a:lstStyle/>
           <a:p>
-            <a:pPr fontAlgn="base">
-              <a:spcBef>
-                <a:spcPct val="0"/>
-              </a:spcBef>
-              <a:spcAft>
-                <a:spcPct val="0"/>
-              </a:spcAft>
-            </a:pPr>
-            <a:r>
-              <a:rPr kumimoji="0" lang="ru-RU" sz="1400" b="0" i="0" u="none" strike="noStrike" cap="none" normalizeH="0" baseline="0" dirty="0" smtClean="0">
-                <a:ln>
-                  <a:noFill/>
-                </a:ln>
-                <a:solidFill>
-                  <a:schemeClr val="tx1"/>
-                </a:solidFill>
-                <a:effectLst/>
+            <a:r>
+              <a:rPr lang="ru-RU" dirty="0" smtClean="0">
                 <a:ea typeface="Calibri" pitchFamily="34" charset="0"/>
                 <a:cs typeface="Times New Roman" pitchFamily="18" charset="0"/>
               </a:rPr>
-              <a:t> </a:t>
-            </a:r>
-            <a:r>
-              <a:rPr lang="ru-RU" sz="1400" dirty="0" smtClean="0">
-                <a:ea typeface="Calibri" pitchFamily="34" charset="0"/>
+              <a:t>значение интегрального представления в точке</a:t>
+            </a:r>
+            <a:endParaRPr lang="ru-RU" dirty="0"/>
+          </a:p>
+        </p:txBody>
+      </p:sp>
+      <p:sp>
+        <p:nvSpPr>
+          <p:cNvPr id="53" name="Прямоугольник 52"/>
+          <p:cNvSpPr/>
+          <p:nvPr/>
+        </p:nvSpPr>
+        <p:spPr>
+          <a:xfrm>
+            <a:off x="7596336" y="5733256"/>
+            <a:ext cx="243978" cy="369332"/>
+          </a:xfrm>
+          <a:prstGeom prst="rect">
+            <a:avLst/>
+          </a:prstGeom>
+        </p:spPr>
+        <p:txBody>
+          <a:bodyPr wrap="square">
+            <a:spAutoFit/>
+          </a:bodyPr>
+          <a:lstStyle/>
+          <a:p>
+            <a:r>
+              <a:rPr lang="ru-RU" dirty="0" smtClean="0">
                 <a:cs typeface="Times New Roman" pitchFamily="18" charset="0"/>
               </a:rPr>
-              <a:t>где </a:t>
-            </a:r>
-            <a:r>
-              <a:rPr lang="en-US" sz="1400" dirty="0" smtClean="0">
-                <a:ea typeface="Calibri" pitchFamily="34" charset="0"/>
+              <a:t>,</a:t>
+            </a:r>
+            <a:endParaRPr lang="ru-RU" dirty="0"/>
+          </a:p>
+        </p:txBody>
+      </p:sp>
+      <p:sp>
+        <p:nvSpPr>
+          <p:cNvPr id="54" name="Прямоугольник 53"/>
+          <p:cNvSpPr/>
+          <p:nvPr/>
+        </p:nvSpPr>
+        <p:spPr>
+          <a:xfrm>
+            <a:off x="1187624" y="6093296"/>
+            <a:ext cx="4610301" cy="369332"/>
+          </a:xfrm>
+          <a:prstGeom prst="rect">
+            <a:avLst/>
+          </a:prstGeom>
+        </p:spPr>
+        <p:txBody>
+          <a:bodyPr wrap="none">
+            <a:spAutoFit/>
+          </a:bodyPr>
+          <a:lstStyle/>
+          <a:p>
+            <a:r>
+              <a:rPr lang="ru-RU" dirty="0" smtClean="0">
                 <a:cs typeface="Times New Roman" pitchFamily="18" charset="0"/>
               </a:rPr>
-              <a:t>U </a:t>
-            </a:r>
-            <a:r>
-              <a:rPr kumimoji="0" lang="ru-RU" sz="1400" b="0" i="0" u="none" strike="noStrike" cap="none" normalizeH="0" baseline="0" dirty="0" smtClean="0">
-                <a:ln>
-                  <a:noFill/>
-                </a:ln>
-                <a:solidFill>
-                  <a:schemeClr val="tx1"/>
-                </a:solidFill>
-                <a:effectLst/>
-                <a:ea typeface="Calibri" pitchFamily="34" charset="0"/>
+              <a:t>- яркость </a:t>
+            </a:r>
+            <a:r>
+              <a:rPr lang="ru-RU" dirty="0" err="1" smtClean="0">
                 <a:cs typeface="Times New Roman" pitchFamily="18" charset="0"/>
               </a:rPr>
-              <a:t>– значение интегрального представления, закрываемое светлой частью признака, а</a:t>
-            </a:r>
-            <a:r>
-              <a:rPr kumimoji="0" lang="en-US" sz="1400" b="0" i="0" u="none" strike="noStrike" cap="none" normalizeH="0" baseline="0" dirty="0" smtClean="0">
-                <a:ln>
-                  <a:noFill/>
-                </a:ln>
-                <a:solidFill>
-                  <a:schemeClr val="tx1"/>
-                </a:solidFill>
-                <a:effectLst/>
-                <a:ea typeface="Calibri" pitchFamily="34" charset="0"/>
+              <a:t>пиксела</a:t>
+            </a:r>
+            <a:r>
+              <a:rPr lang="ru-RU" dirty="0" smtClean="0">
                 <a:cs typeface="Times New Roman" pitchFamily="18" charset="0"/>
               </a:rPr>
-              <a:t> V - </a:t>
-            </a:r>
-            <a:r>
-              <a:rPr lang="ru-RU" sz="1400" dirty="0" smtClean="0">
-                <a:ea typeface="Calibri" pitchFamily="34" charset="0"/>
-                <a:cs typeface="Times New Roman" pitchFamily="18" charset="0"/>
-              </a:rPr>
-              <a:t>значение интегрального преставления, закрываемое темной частью признака.</a:t>
-            </a:r>
-            <a:r>
-              <a:rPr lang="ru-RU" sz="600" dirty="0" smtClean="0">
-                <a:cs typeface="Arial" pitchFamily="34" charset="0"/>
-              </a:rPr>
-              <a:t> </a:t>
-            </a:r>
-            <a:r>
-              <a:rPr kumimoji="0" lang="en-US" sz="1400" b="0" i="0" u="none" strike="noStrike" cap="none" normalizeH="0" baseline="0" dirty="0" smtClean="0">
-                <a:ln>
-                  <a:noFill/>
-                </a:ln>
-                <a:solidFill>
-                  <a:schemeClr val="tx1"/>
-                </a:solidFill>
-                <a:effectLst/>
-                <a:ea typeface="Calibri" pitchFamily="34" charset="0"/>
-                <a:cs typeface="Times New Roman" pitchFamily="18" charset="0"/>
-              </a:rPr>
-              <a:t> </a:t>
-            </a:r>
-            <a:r>
-              <a:rPr kumimoji="0" lang="ru-RU" sz="1400" b="0" i="0" u="none" strike="noStrike" cap="none" normalizeH="0" baseline="0" dirty="0" smtClean="0">
-                <a:ln>
-                  <a:noFill/>
-                </a:ln>
-                <a:solidFill>
-                  <a:schemeClr val="tx1"/>
-                </a:solidFill>
-                <a:effectLst/>
-                <a:ea typeface="Calibri" pitchFamily="34" charset="0"/>
-                <a:cs typeface="Times New Roman" pitchFamily="18" charset="0"/>
-              </a:rPr>
-              <a:t> </a:t>
-            </a:r>
-            <a:endParaRPr kumimoji="0" lang="ru-RU" sz="1800" b="0" i="0" u="none" strike="noStrike" cap="none" normalizeH="0" baseline="0" dirty="0" smtClean="0">
-              <a:ln>
-                <a:noFill/>
-              </a:ln>
-              <a:solidFill>
-                <a:schemeClr val="tx1"/>
-              </a:solidFill>
-              <a:effectLst/>
-              <a:cs typeface="Arial" pitchFamily="34" charset="0"/>
-            </a:endParaRPr>
+              <a:t> исходного изображения</a:t>
+            </a:r>
+            <a:endParaRPr lang="ru-RU" dirty="0"/>
           </a:p>
         </p:txBody>
       </p:sp>
@@ -8978,7 +9272,7 @@
 </p:sld>
 </file>
 
-<file path=ppt/slides/slide8.xml><?xml version="1.0" encoding="utf-8"?>
+<file path=ppt/slides/slide6.xml><?xml version="1.0" encoding="utf-8"?>
 <p:sld xmlns:a="http://schemas.openxmlformats.org/drawingml/2006/main" xmlns:r="http://schemas.openxmlformats.org/officeDocument/2006/relationships" xmlns:p="http://schemas.openxmlformats.org/presentationml/2006/main">
   <p:cSld>
     <p:spTree>
@@ -8997,95 +9291,23 @@
       </p:grpSpPr>
       <p:sp>
         <p:nvSpPr>
-          <p:cNvPr id="4" name="Номер слайда 3"/>
+          <p:cNvPr id="2" name="Заголовок 1"/>
           <p:cNvSpPr>
             <a:spLocks noGrp="1"/>
           </p:cNvSpPr>
           <p:nvPr>
-            <p:ph type="sldNum" sz="quarter" idx="12"/>
+            <p:ph type="title"/>
           </p:nvPr>
         </p:nvSpPr>
-        <p:spPr/>
-        <p:txBody>
-          <a:bodyPr/>
-          <a:lstStyle/>
-          <a:p>
-            <a:fld id="{7498795A-CFA5-45B7-82FE-35C0C684350C}" type="slidenum">
-              <a:rPr lang="ru-RU" smtClean="0"/>
-              <a:pPr/>
-              <a:t>8</a:t>
-            </a:fld>
-            <a:endParaRPr lang="ru-RU"/>
-          </a:p>
-        </p:txBody>
-      </p:sp>
-      <p:sp>
-        <p:nvSpPr>
-          <p:cNvPr id="5" name="Прямоугольник 4"/>
-          <p:cNvSpPr/>
-          <p:nvPr/>
-        </p:nvSpPr>
         <p:spPr>
           <a:xfrm>
-            <a:off x="2555776" y="1988840"/>
-            <a:ext cx="4320480" cy="923330"/>
-          </a:xfrm>
-          <a:prstGeom prst="rect">
-            <a:avLst/>
-          </a:prstGeom>
-        </p:spPr>
-        <p:txBody>
-          <a:bodyPr wrap="square">
-            <a:spAutoFit/>
-          </a:bodyPr>
-          <a:lstStyle/>
-          <a:p>
-            <a:r>
-              <a:rPr lang="ru-RU" dirty="0" smtClean="0">
-                <a:cs typeface="Arial" pitchFamily="34" charset="0"/>
-              </a:rPr>
-              <a:t>Масштабирование произвольных детектированных  </a:t>
-            </a:r>
-            <a:r>
-              <a:rPr lang="ru-RU" dirty="0" smtClean="0">
-                <a:cs typeface="Arial" pitchFamily="34" charset="0"/>
-              </a:rPr>
-              <a:t>областей </a:t>
-            </a:r>
-            <a:r>
-              <a:rPr lang="ru-RU" dirty="0" smtClean="0">
-                <a:cs typeface="Arial" pitchFamily="34" charset="0"/>
-              </a:rPr>
-              <a:t>изображения</a:t>
-            </a:r>
-            <a:r>
-              <a:rPr lang="ru-RU" dirty="0" smtClean="0">
-                <a:cs typeface="Arial" pitchFamily="34" charset="0"/>
-              </a:rPr>
-              <a:t>.</a:t>
-            </a:r>
-            <a:endParaRPr lang="ru-RU" dirty="0"/>
-          </a:p>
-        </p:txBody>
-      </p:sp>
-      <p:sp>
-        <p:nvSpPr>
-          <p:cNvPr id="6" name="Прямоугольник 5"/>
-          <p:cNvSpPr/>
-          <p:nvPr/>
-        </p:nvSpPr>
-        <p:spPr>
-          <a:xfrm>
-            <a:off x="971600" y="260648"/>
-            <a:ext cx="7564058" cy="1569660"/>
-          </a:xfrm>
-          <a:prstGeom prst="rect">
-            <a:avLst/>
-          </a:prstGeom>
-        </p:spPr>
-        <p:txBody>
-          <a:bodyPr wrap="none">
-            <a:spAutoFit/>
+            <a:off x="467544" y="260648"/>
+            <a:ext cx="8229600" cy="1442424"/>
+          </a:xfrm>
+        </p:spPr>
+        <p:txBody>
+          <a:bodyPr>
+            <a:noAutofit/>
           </a:bodyPr>
           <a:lstStyle/>
           <a:p>
@@ -9117,7 +9339,7 @@
                 <a:latin typeface="Arial" pitchFamily="34" charset="0"/>
                 <a:cs typeface="Arial" pitchFamily="34" charset="0"/>
               </a:rPr>
-              <a:t>Поготовка</a:t>
+              <a:t>Детекция</a:t>
             </a:r>
             <a:r>
               <a:rPr lang="ru-RU" sz="3200" b="1" dirty="0" smtClean="0">
@@ -9146,11 +9368,489 @@
                 <a:latin typeface="Arial" pitchFamily="34" charset="0"/>
                 <a:cs typeface="Arial" pitchFamily="34" charset="0"/>
               </a:rPr>
-              <a:t> полученных областей от </a:t>
-            </a:r>
-          </a:p>
+              <a:t> с помощью метода Виолы-Джонса на имеющемся изображении</a:t>
+            </a:r>
+            <a:r>
+              <a:rPr lang="ru-RU" sz="3200" dirty="0" smtClean="0">
+                <a:latin typeface="Arial" pitchFamily="34" charset="0"/>
+                <a:cs typeface="Arial" pitchFamily="34" charset="0"/>
+              </a:rPr>
+              <a:t/>
+            </a:r>
+            <a:br>
+              <a:rPr lang="ru-RU" sz="3200" dirty="0" smtClean="0">
+                <a:latin typeface="Arial" pitchFamily="34" charset="0"/>
+                <a:cs typeface="Arial" pitchFamily="34" charset="0"/>
+              </a:rPr>
+            </a:br>
+            <a:endParaRPr lang="ru-RU" sz="2800" dirty="0"/>
+          </a:p>
+        </p:txBody>
+      </p:sp>
+      <p:sp>
+        <p:nvSpPr>
+          <p:cNvPr id="4" name="Номер слайда 3"/>
+          <p:cNvSpPr>
+            <a:spLocks noGrp="1"/>
+          </p:cNvSpPr>
+          <p:nvPr>
+            <p:ph type="sldNum" sz="quarter" idx="12"/>
+          </p:nvPr>
+        </p:nvSpPr>
+        <p:spPr/>
+        <p:txBody>
+          <a:bodyPr/>
+          <a:lstStyle/>
+          <a:p>
+            <a:fld id="{7498795A-CFA5-45B7-82FE-35C0C684350C}" type="slidenum">
+              <a:rPr lang="ru-RU" smtClean="0"/>
+              <a:pPr/>
+              <a:t>6</a:t>
+            </a:fld>
+            <a:endParaRPr lang="ru-RU"/>
+          </a:p>
+        </p:txBody>
+      </p:sp>
+      <p:pic>
+        <p:nvPicPr>
+          <p:cNvPr id="7" name="Рисунок 6" descr="C:\Users\stranger\Desktop\1.png"/>
+          <p:cNvPicPr/>
+          <p:nvPr/>
+        </p:nvPicPr>
+        <p:blipFill>
+          <a:blip r:embed="rId2" cstate="print"/>
+          <a:srcRect/>
+          <a:stretch>
+            <a:fillRect/>
+          </a:stretch>
+        </p:blipFill>
+        <p:spPr bwMode="auto">
+          <a:xfrm>
+            <a:off x="683568" y="2204864"/>
+            <a:ext cx="3456384" cy="2880320"/>
+          </a:xfrm>
+          <a:prstGeom prst="rect">
+            <a:avLst/>
+          </a:prstGeom>
+          <a:noFill/>
+          <a:ln w="9525">
+            <a:noFill/>
+            <a:miter lim="800000"/>
+            <a:headEnd/>
+            <a:tailEnd/>
+          </a:ln>
+        </p:spPr>
+      </p:pic>
+      <p:sp>
+        <p:nvSpPr>
+          <p:cNvPr id="6146" name="Rectangle 2"/>
+          <p:cNvSpPr>
+            <a:spLocks noChangeArrowheads="1"/>
+          </p:cNvSpPr>
+          <p:nvPr/>
+        </p:nvSpPr>
+        <p:spPr bwMode="auto">
+          <a:xfrm>
+            <a:off x="0" y="0"/>
+            <a:ext cx="9144000" cy="0"/>
+          </a:xfrm>
+          <a:prstGeom prst="rect">
+            <a:avLst/>
+          </a:prstGeom>
+          <a:noFill/>
+          <a:ln w="9525">
+            <a:noFill/>
+            <a:miter lim="800000"/>
+            <a:headEnd/>
+            <a:tailEnd/>
+          </a:ln>
+          <a:effectLst/>
+        </p:spPr>
+        <p:txBody>
+          <a:bodyPr vert="horz" wrap="none" lIns="91440" tIns="45720" rIns="91440" bIns="45720" numCol="1" anchor="ctr" anchorCtr="0" compatLnSpc="1">
+            <a:prstTxWarp prst="textNoShape">
+              <a:avLst/>
+            </a:prstTxWarp>
+            <a:spAutoFit/>
+          </a:bodyPr>
+          <a:lstStyle/>
+          <a:p>
+            <a:endParaRPr lang="ru-RU"/>
+          </a:p>
+        </p:txBody>
+      </p:sp>
+      <p:sp>
+        <p:nvSpPr>
+          <p:cNvPr id="6148" name="Rectangle 4"/>
+          <p:cNvSpPr>
+            <a:spLocks noChangeArrowheads="1"/>
+          </p:cNvSpPr>
+          <p:nvPr/>
+        </p:nvSpPr>
+        <p:spPr bwMode="auto">
+          <a:xfrm>
+            <a:off x="0" y="0"/>
+            <a:ext cx="9144000" cy="0"/>
+          </a:xfrm>
+          <a:prstGeom prst="rect">
+            <a:avLst/>
+          </a:prstGeom>
+          <a:noFill/>
+          <a:ln w="9525">
+            <a:noFill/>
+            <a:miter lim="800000"/>
+            <a:headEnd/>
+            <a:tailEnd/>
+          </a:ln>
+          <a:effectLst/>
+        </p:spPr>
+        <p:txBody>
+          <a:bodyPr vert="horz" wrap="none" lIns="91440" tIns="45720" rIns="91440" bIns="45720" numCol="1" anchor="ctr" anchorCtr="0" compatLnSpc="1">
+            <a:prstTxWarp prst="textNoShape">
+              <a:avLst/>
+            </a:prstTxWarp>
+            <a:spAutoFit/>
+          </a:bodyPr>
+          <a:lstStyle/>
+          <a:p>
+            <a:endParaRPr lang="ru-RU"/>
+          </a:p>
+        </p:txBody>
+      </p:sp>
+      <p:sp>
+        <p:nvSpPr>
+          <p:cNvPr id="6150" name="Rectangle 6"/>
+          <p:cNvSpPr>
+            <a:spLocks noChangeArrowheads="1"/>
+          </p:cNvSpPr>
+          <p:nvPr/>
+        </p:nvSpPr>
+        <p:spPr bwMode="auto">
+          <a:xfrm>
+            <a:off x="0" y="0"/>
+            <a:ext cx="9144000" cy="0"/>
+          </a:xfrm>
+          <a:prstGeom prst="rect">
+            <a:avLst/>
+          </a:prstGeom>
+          <a:noFill/>
+          <a:ln w="9525">
+            <a:noFill/>
+            <a:miter lim="800000"/>
+            <a:headEnd/>
+            <a:tailEnd/>
+          </a:ln>
+          <a:effectLst/>
+        </p:spPr>
+        <p:txBody>
+          <a:bodyPr vert="horz" wrap="none" lIns="91440" tIns="45720" rIns="91440" bIns="45720" numCol="1" anchor="ctr" anchorCtr="0" compatLnSpc="1">
+            <a:prstTxWarp prst="textNoShape">
+              <a:avLst/>
+            </a:prstTxWarp>
+            <a:spAutoFit/>
+          </a:bodyPr>
+          <a:lstStyle/>
+          <a:p>
+            <a:endParaRPr lang="ru-RU"/>
+          </a:p>
+        </p:txBody>
+      </p:sp>
+      <p:pic>
+        <p:nvPicPr>
+          <p:cNvPr id="6149" name="Picture 5"/>
+          <p:cNvPicPr>
+            <a:picLocks noChangeAspect="1" noChangeArrowheads="1"/>
+          </p:cNvPicPr>
+          <p:nvPr/>
+        </p:nvPicPr>
+        <p:blipFill>
+          <a:blip r:embed="rId3" cstate="print">
+            <a:clrChange>
+              <a:clrFrom>
+                <a:srgbClr val="FFFFFF"/>
+              </a:clrFrom>
+              <a:clrTo>
+                <a:srgbClr val="FFFFFF">
+                  <a:alpha val="0"/>
+                </a:srgbClr>
+              </a:clrTo>
+            </a:clrChange>
+          </a:blip>
+          <a:srcRect/>
+          <a:stretch>
+            <a:fillRect/>
+          </a:stretch>
+        </p:blipFill>
+        <p:spPr bwMode="auto">
+          <a:xfrm>
+            <a:off x="5724128" y="3429000"/>
+            <a:ext cx="1374698" cy="360040"/>
+          </a:xfrm>
+          <a:prstGeom prst="rect">
+            <a:avLst/>
+          </a:prstGeom>
+          <a:noFill/>
+        </p:spPr>
+      </p:pic>
+      <p:sp>
+        <p:nvSpPr>
+          <p:cNvPr id="6154" name="Rectangle 10"/>
+          <p:cNvSpPr>
+            <a:spLocks noChangeArrowheads="1"/>
+          </p:cNvSpPr>
+          <p:nvPr/>
+        </p:nvSpPr>
+        <p:spPr bwMode="auto">
+          <a:xfrm>
+            <a:off x="611560" y="5229200"/>
+            <a:ext cx="8064896" cy="923330"/>
+          </a:xfrm>
+          <a:prstGeom prst="rect">
+            <a:avLst/>
+          </a:prstGeom>
+          <a:noFill/>
+          <a:ln w="9525">
+            <a:noFill/>
+            <a:miter lim="800000"/>
+            <a:headEnd/>
+            <a:tailEnd/>
+          </a:ln>
+          <a:effectLst/>
+        </p:spPr>
+        <p:txBody>
+          <a:bodyPr vert="horz" wrap="square" lIns="91440" tIns="45720" rIns="91440" bIns="45720" numCol="1" anchor="ctr" anchorCtr="0" compatLnSpc="1">
+            <a:prstTxWarp prst="textNoShape">
+              <a:avLst/>
+            </a:prstTxWarp>
+            <a:spAutoFit/>
+          </a:bodyPr>
+          <a:lstStyle/>
+          <a:p>
+            <a:pPr fontAlgn="base">
+              <a:spcBef>
+                <a:spcPct val="0"/>
+              </a:spcBef>
+              <a:spcAft>
+                <a:spcPct val="0"/>
+              </a:spcAft>
+            </a:pPr>
+            <a:r>
+              <a:rPr kumimoji="0" lang="ru-RU" b="0" i="0" u="none" strike="noStrike" cap="none" normalizeH="0" baseline="0" dirty="0" smtClean="0">
+                <a:ln>
+                  <a:noFill/>
+                </a:ln>
+                <a:solidFill>
+                  <a:schemeClr val="tx1"/>
+                </a:solidFill>
+                <a:effectLst/>
+                <a:ea typeface="Calibri" pitchFamily="34" charset="0"/>
+                <a:cs typeface="Times New Roman" pitchFamily="18" charset="0"/>
+              </a:rPr>
+              <a:t> </a:t>
+            </a:r>
+            <a:r>
+              <a:rPr lang="ru-RU" dirty="0" smtClean="0">
+                <a:ea typeface="Calibri" pitchFamily="34" charset="0"/>
+                <a:cs typeface="Times New Roman" pitchFamily="18" charset="0"/>
+              </a:rPr>
+              <a:t>где </a:t>
+            </a:r>
+            <a:r>
+              <a:rPr lang="en-US" dirty="0" smtClean="0">
+                <a:ea typeface="Calibri" pitchFamily="34" charset="0"/>
+                <a:cs typeface="Times New Roman" pitchFamily="18" charset="0"/>
+              </a:rPr>
+              <a:t>U </a:t>
+            </a:r>
+            <a:r>
+              <a:rPr kumimoji="0" lang="ru-RU" b="0" i="0" u="none" strike="noStrike" cap="none" normalizeH="0" baseline="0" dirty="0" smtClean="0">
+                <a:ln>
+                  <a:noFill/>
+                </a:ln>
+                <a:solidFill>
+                  <a:schemeClr val="tx1"/>
+                </a:solidFill>
+                <a:effectLst/>
+                <a:ea typeface="Calibri" pitchFamily="34" charset="0"/>
+                <a:cs typeface="Times New Roman" pitchFamily="18" charset="0"/>
+              </a:rPr>
+              <a:t>– значение интегрального представления, закрываемое светлой частью признака, а</a:t>
+            </a:r>
+            <a:r>
+              <a:rPr kumimoji="0" lang="en-US" b="0" i="0" u="none" strike="noStrike" cap="none" normalizeH="0" baseline="0" dirty="0" smtClean="0">
+                <a:ln>
+                  <a:noFill/>
+                </a:ln>
+                <a:solidFill>
+                  <a:schemeClr val="tx1"/>
+                </a:solidFill>
+                <a:effectLst/>
+                <a:ea typeface="Calibri" pitchFamily="34" charset="0"/>
+                <a:cs typeface="Times New Roman" pitchFamily="18" charset="0"/>
+              </a:rPr>
+              <a:t> V - </a:t>
+            </a:r>
+            <a:r>
+              <a:rPr lang="ru-RU" dirty="0" smtClean="0">
+                <a:ea typeface="Calibri" pitchFamily="34" charset="0"/>
+                <a:cs typeface="Times New Roman" pitchFamily="18" charset="0"/>
+              </a:rPr>
+              <a:t>значение интегрального преставления, закрываемое темной частью признака.</a:t>
+            </a:r>
+            <a:endParaRPr kumimoji="0" lang="ru-RU" b="0" i="0" u="none" strike="noStrike" cap="none" normalizeH="0" baseline="0" dirty="0" smtClean="0">
+              <a:ln>
+                <a:noFill/>
+              </a:ln>
+              <a:solidFill>
+                <a:schemeClr val="tx1"/>
+              </a:solidFill>
+              <a:effectLst/>
+              <a:cs typeface="Arial" pitchFamily="34" charset="0"/>
+            </a:endParaRPr>
+          </a:p>
+        </p:txBody>
+      </p:sp>
+      <p:sp>
+        <p:nvSpPr>
+          <p:cNvPr id="15" name="Прямоугольник 14"/>
+          <p:cNvSpPr/>
+          <p:nvPr/>
+        </p:nvSpPr>
+        <p:spPr>
+          <a:xfrm>
+            <a:off x="1403648" y="1916832"/>
+            <a:ext cx="1910075" cy="369332"/>
+          </a:xfrm>
+          <a:prstGeom prst="rect">
+            <a:avLst/>
+          </a:prstGeom>
+        </p:spPr>
+        <p:txBody>
+          <a:bodyPr wrap="none">
+            <a:spAutoFit/>
+          </a:bodyPr>
+          <a:lstStyle/>
+          <a:p>
+            <a:r>
+              <a:rPr lang="ru-RU" dirty="0" smtClean="0">
+                <a:ea typeface="Calibri" pitchFamily="34" charset="0"/>
+                <a:cs typeface="Times New Roman" pitchFamily="18" charset="0"/>
+              </a:rPr>
+              <a:t>Признаки Хаара</a:t>
+            </a:r>
+            <a:endParaRPr lang="ru-RU" dirty="0"/>
+          </a:p>
+        </p:txBody>
+      </p:sp>
+      <p:sp>
+        <p:nvSpPr>
+          <p:cNvPr id="16" name="Прямоугольник 15"/>
+          <p:cNvSpPr/>
+          <p:nvPr/>
+        </p:nvSpPr>
+        <p:spPr>
+          <a:xfrm>
+            <a:off x="1763688" y="1484784"/>
+            <a:ext cx="5558253" cy="369332"/>
+          </a:xfrm>
+          <a:prstGeom prst="rect">
+            <a:avLst/>
+          </a:prstGeom>
+        </p:spPr>
+        <p:txBody>
+          <a:bodyPr wrap="none">
+            <a:spAutoFit/>
+          </a:bodyPr>
+          <a:lstStyle/>
+          <a:p>
+            <a:r>
+              <a:rPr lang="ru-RU" b="1" dirty="0" smtClean="0">
+                <a:ea typeface="Calibri" pitchFamily="34" charset="0"/>
+                <a:cs typeface="Times New Roman" pitchFamily="18" charset="0"/>
+              </a:rPr>
+              <a:t>Классификатор на основании признаков Хаара</a:t>
+            </a:r>
+            <a:endParaRPr lang="ru-RU" b="1" dirty="0"/>
+          </a:p>
+        </p:txBody>
+      </p:sp>
+    </p:spTree>
+  </p:cSld>
+  <p:clrMapOvr>
+    <a:masterClrMapping/>
+  </p:clrMapOvr>
+</p:sld>
+</file>
+
+<file path=ppt/slides/slide7.xml><?xml version="1.0" encoding="utf-8"?>
+<p:sld xmlns:a="http://schemas.openxmlformats.org/drawingml/2006/main" xmlns:r="http://schemas.openxmlformats.org/officeDocument/2006/relationships" xmlns:p="http://schemas.openxmlformats.org/presentationml/2006/main">
+  <p:cSld>
+    <p:spTree>
+      <p:nvGrpSpPr>
+        <p:cNvPr id="1" name=""/>
+        <p:cNvGrpSpPr/>
+        <p:nvPr/>
+      </p:nvGrpSpPr>
+      <p:grpSpPr>
+        <a:xfrm>
+          <a:off x="0" y="0"/>
+          <a:ext cx="0" cy="0"/>
+          <a:chOff x="0" y="0"/>
+          <a:chExt cx="0" cy="0"/>
+        </a:xfrm>
+      </p:grpSpPr>
+      <p:sp>
+        <p:nvSpPr>
+          <p:cNvPr id="2" name="Заголовок 1"/>
+          <p:cNvSpPr>
+            <a:spLocks noGrp="1"/>
+          </p:cNvSpPr>
+          <p:nvPr>
+            <p:ph type="title"/>
+          </p:nvPr>
+        </p:nvSpPr>
+        <p:spPr>
+          <a:xfrm>
+            <a:off x="467544" y="260648"/>
+            <a:ext cx="8229600" cy="1442424"/>
+          </a:xfrm>
+        </p:spPr>
+        <p:txBody>
+          <a:bodyPr>
+            <a:noAutofit/>
+          </a:bodyPr>
+          <a:lstStyle/>
           <a:p>
             <a:pPr algn="ctr"/>
+            <a:r>
+              <a:rPr lang="ru-RU" sz="3200" b="1" dirty="0" err="1" smtClean="0">
+                <a:ln w="12700" cmpd="sng">
+                  <a:solidFill>
+                    <a:schemeClr val="tx1">
+                      <a:lumMod val="95000"/>
+                      <a:lumOff val="5000"/>
+                    </a:schemeClr>
+                  </a:solidFill>
+                  <a:prstDash val="solid"/>
+                </a:ln>
+                <a:solidFill>
+                  <a:schemeClr val="bg1">
+                    <a:lumMod val="50000"/>
+                  </a:schemeClr>
+                </a:solidFill>
+                <a:effectLst>
+                  <a:outerShdw blurRad="41275" dist="12700" dir="12000000" algn="tl" rotWithShape="0">
+                    <a:srgbClr val="000000">
+                      <a:alpha val="40000"/>
+                    </a:srgbClr>
+                  </a:outerShdw>
+                  <a:reflection blurRad="6350" stA="55000" endA="300" endPos="45500" dir="5400000" sy="-100000" algn="bl" rotWithShape="0"/>
+                </a:effectLst>
+                <a:latin typeface="Arial" pitchFamily="34" charset="0"/>
+                <a:cs typeface="Arial" pitchFamily="34" charset="0"/>
+              </a:rPr>
+              <a:t>Детекция</a:t>
+            </a:r>
             <a:r>
               <a:rPr lang="ru-RU" sz="3200" b="1" dirty="0" smtClean="0">
                 <a:ln w="12700" cmpd="sng">
@@ -9178,41 +9878,307 @@
                 <a:latin typeface="Arial" pitchFamily="34" charset="0"/>
                 <a:cs typeface="Arial" pitchFamily="34" charset="0"/>
               </a:rPr>
-              <a:t>Метода Виолы-Джонса на вход</a:t>
-            </a:r>
-          </a:p>
-          <a:p>
-            <a:pPr algn="ctr"/>
-            <a:r>
-              <a:rPr lang="ru-RU" sz="3200" b="1" dirty="0" smtClean="0">
-                <a:ln w="12700" cmpd="sng">
-                  <a:solidFill>
-                    <a:schemeClr val="tx1">
-                      <a:lumMod val="95000"/>
-                      <a:lumOff val="5000"/>
-                    </a:schemeClr>
-                  </a:solidFill>
-                  <a:prstDash val="solid"/>
-                </a:ln>
-                <a:solidFill>
-                  <a:schemeClr val="bg1">
-                    <a:lumMod val="50000"/>
-                  </a:schemeClr>
-                </a:solidFill>
-                <a:effectLst>
-                  <a:outerShdw blurRad="41275" dist="12700" dir="12000000" algn="tl" rotWithShape="0">
-                    <a:srgbClr val="000000">
-                      <a:alpha val="40000"/>
-                    </a:srgbClr>
-                  </a:outerShdw>
-                  <a:reflection blurRad="6350" stA="55000" endA="300" endPos="45500" dir="5400000" sy="-100000" algn="bl" rotWithShape="0"/>
-                </a:effectLst>
+              <a:t> с помощью метода Виолы-Джонса на имеющемся изображении</a:t>
+            </a:r>
+            <a:r>
+              <a:rPr lang="ru-RU" sz="3200" dirty="0" smtClean="0">
                 <a:latin typeface="Arial" pitchFamily="34" charset="0"/>
                 <a:cs typeface="Arial" pitchFamily="34" charset="0"/>
               </a:rPr>
-              <a:t>обученной нейронной сети</a:t>
-            </a:r>
-            <a:endParaRPr lang="ru-RU" sz="3200" dirty="0"/>
+              <a:t/>
+            </a:r>
+            <a:br>
+              <a:rPr lang="ru-RU" sz="3200" dirty="0" smtClean="0">
+                <a:latin typeface="Arial" pitchFamily="34" charset="0"/>
+                <a:cs typeface="Arial" pitchFamily="34" charset="0"/>
+              </a:rPr>
+            </a:br>
+            <a:endParaRPr lang="ru-RU" sz="2800" dirty="0"/>
+          </a:p>
+        </p:txBody>
+      </p:sp>
+      <p:sp>
+        <p:nvSpPr>
+          <p:cNvPr id="4" name="Номер слайда 3"/>
+          <p:cNvSpPr>
+            <a:spLocks noGrp="1"/>
+          </p:cNvSpPr>
+          <p:nvPr>
+            <p:ph type="sldNum" sz="quarter" idx="12"/>
+          </p:nvPr>
+        </p:nvSpPr>
+        <p:spPr/>
+        <p:txBody>
+          <a:bodyPr/>
+          <a:lstStyle/>
+          <a:p>
+            <a:fld id="{7498795A-CFA5-45B7-82FE-35C0C684350C}" type="slidenum">
+              <a:rPr lang="ru-RU" smtClean="0"/>
+              <a:pPr/>
+              <a:t>7</a:t>
+            </a:fld>
+            <a:endParaRPr lang="ru-RU"/>
+          </a:p>
+        </p:txBody>
+      </p:sp>
+      <p:sp>
+        <p:nvSpPr>
+          <p:cNvPr id="6146" name="Rectangle 2"/>
+          <p:cNvSpPr>
+            <a:spLocks noChangeArrowheads="1"/>
+          </p:cNvSpPr>
+          <p:nvPr/>
+        </p:nvSpPr>
+        <p:spPr bwMode="auto">
+          <a:xfrm>
+            <a:off x="0" y="0"/>
+            <a:ext cx="9144000" cy="0"/>
+          </a:xfrm>
+          <a:prstGeom prst="rect">
+            <a:avLst/>
+          </a:prstGeom>
+          <a:noFill/>
+          <a:ln w="9525">
+            <a:noFill/>
+            <a:miter lim="800000"/>
+            <a:headEnd/>
+            <a:tailEnd/>
+          </a:ln>
+          <a:effectLst/>
+        </p:spPr>
+        <p:txBody>
+          <a:bodyPr vert="horz" wrap="none" lIns="91440" tIns="45720" rIns="91440" bIns="45720" numCol="1" anchor="ctr" anchorCtr="0" compatLnSpc="1">
+            <a:prstTxWarp prst="textNoShape">
+              <a:avLst/>
+            </a:prstTxWarp>
+            <a:spAutoFit/>
+          </a:bodyPr>
+          <a:lstStyle/>
+          <a:p>
+            <a:endParaRPr lang="ru-RU"/>
+          </a:p>
+        </p:txBody>
+      </p:sp>
+      <p:sp>
+        <p:nvSpPr>
+          <p:cNvPr id="6148" name="Rectangle 4"/>
+          <p:cNvSpPr>
+            <a:spLocks noChangeArrowheads="1"/>
+          </p:cNvSpPr>
+          <p:nvPr/>
+        </p:nvSpPr>
+        <p:spPr bwMode="auto">
+          <a:xfrm>
+            <a:off x="0" y="0"/>
+            <a:ext cx="9144000" cy="0"/>
+          </a:xfrm>
+          <a:prstGeom prst="rect">
+            <a:avLst/>
+          </a:prstGeom>
+          <a:noFill/>
+          <a:ln w="9525">
+            <a:noFill/>
+            <a:miter lim="800000"/>
+            <a:headEnd/>
+            <a:tailEnd/>
+          </a:ln>
+          <a:effectLst/>
+        </p:spPr>
+        <p:txBody>
+          <a:bodyPr vert="horz" wrap="none" lIns="91440" tIns="45720" rIns="91440" bIns="45720" numCol="1" anchor="ctr" anchorCtr="0" compatLnSpc="1">
+            <a:prstTxWarp prst="textNoShape">
+              <a:avLst/>
+            </a:prstTxWarp>
+            <a:spAutoFit/>
+          </a:bodyPr>
+          <a:lstStyle/>
+          <a:p>
+            <a:endParaRPr lang="ru-RU"/>
+          </a:p>
+        </p:txBody>
+      </p:sp>
+      <p:sp>
+        <p:nvSpPr>
+          <p:cNvPr id="6150" name="Rectangle 6"/>
+          <p:cNvSpPr>
+            <a:spLocks noChangeArrowheads="1"/>
+          </p:cNvSpPr>
+          <p:nvPr/>
+        </p:nvSpPr>
+        <p:spPr bwMode="auto">
+          <a:xfrm>
+            <a:off x="0" y="0"/>
+            <a:ext cx="9144000" cy="0"/>
+          </a:xfrm>
+          <a:prstGeom prst="rect">
+            <a:avLst/>
+          </a:prstGeom>
+          <a:noFill/>
+          <a:ln w="9525">
+            <a:noFill/>
+            <a:miter lim="800000"/>
+            <a:headEnd/>
+            <a:tailEnd/>
+          </a:ln>
+          <a:effectLst/>
+        </p:spPr>
+        <p:txBody>
+          <a:bodyPr vert="horz" wrap="none" lIns="91440" tIns="45720" rIns="91440" bIns="45720" numCol="1" anchor="ctr" anchorCtr="0" compatLnSpc="1">
+            <a:prstTxWarp prst="textNoShape">
+              <a:avLst/>
+            </a:prstTxWarp>
+            <a:spAutoFit/>
+          </a:bodyPr>
+          <a:lstStyle/>
+          <a:p>
+            <a:endParaRPr lang="ru-RU"/>
+          </a:p>
+        </p:txBody>
+      </p:sp>
+      <p:pic>
+        <p:nvPicPr>
+          <p:cNvPr id="14" name="Рисунок 13" descr="C:\Users\stranger\Desktop\3.png"/>
+          <p:cNvPicPr/>
+          <p:nvPr/>
+        </p:nvPicPr>
+        <p:blipFill>
+          <a:blip r:embed="rId2" cstate="print"/>
+          <a:srcRect/>
+          <a:stretch>
+            <a:fillRect/>
+          </a:stretch>
+        </p:blipFill>
+        <p:spPr bwMode="auto">
+          <a:xfrm>
+            <a:off x="1835696" y="5085184"/>
+            <a:ext cx="5472608" cy="1325450"/>
+          </a:xfrm>
+          <a:prstGeom prst="rect">
+            <a:avLst/>
+          </a:prstGeom>
+          <a:noFill/>
+          <a:ln w="9525">
+            <a:noFill/>
+            <a:miter lim="800000"/>
+            <a:headEnd/>
+            <a:tailEnd/>
+          </a:ln>
+        </p:spPr>
+      </p:pic>
+      <p:sp>
+        <p:nvSpPr>
+          <p:cNvPr id="17" name="Прямоугольник 16"/>
+          <p:cNvSpPr/>
+          <p:nvPr/>
+        </p:nvSpPr>
+        <p:spPr>
+          <a:xfrm>
+            <a:off x="1763688" y="1412776"/>
+            <a:ext cx="6048672" cy="646331"/>
+          </a:xfrm>
+          <a:prstGeom prst="rect">
+            <a:avLst/>
+          </a:prstGeom>
+        </p:spPr>
+        <p:txBody>
+          <a:bodyPr wrap="square">
+            <a:spAutoFit/>
+          </a:bodyPr>
+          <a:lstStyle/>
+          <a:p>
+            <a:pPr algn="ctr"/>
+            <a:r>
+              <a:rPr lang="ru-RU" b="1" dirty="0" smtClean="0">
+                <a:ea typeface="Calibri" pitchFamily="34" charset="0"/>
+                <a:cs typeface="Times New Roman" pitchFamily="18" charset="0"/>
+              </a:rPr>
+              <a:t>Каскадная структура классификатора основанная на признаках Хаара</a:t>
+            </a:r>
+            <a:endParaRPr lang="ru-RU" b="1" dirty="0"/>
+          </a:p>
+        </p:txBody>
+      </p:sp>
+      <p:sp>
+        <p:nvSpPr>
+          <p:cNvPr id="28673" name="Rectangle 1"/>
+          <p:cNvSpPr>
+            <a:spLocks noChangeArrowheads="1"/>
+          </p:cNvSpPr>
+          <p:nvPr/>
+        </p:nvSpPr>
+        <p:spPr bwMode="auto">
+          <a:xfrm>
+            <a:off x="395536" y="2132856"/>
+            <a:ext cx="8460432" cy="2862322"/>
+          </a:xfrm>
+          <a:prstGeom prst="rect">
+            <a:avLst/>
+          </a:prstGeom>
+          <a:noFill/>
+          <a:ln w="9525">
+            <a:noFill/>
+            <a:miter lim="800000"/>
+            <a:headEnd/>
+            <a:tailEnd/>
+          </a:ln>
+          <a:effectLst/>
+        </p:spPr>
+        <p:txBody>
+          <a:bodyPr vert="horz" wrap="square" lIns="91440" tIns="45720" rIns="91440" bIns="45720" numCol="1" anchor="ctr" anchorCtr="0" compatLnSpc="1">
+            <a:prstTxWarp prst="textNoShape">
+              <a:avLst/>
+            </a:prstTxWarp>
+            <a:spAutoFit/>
+          </a:bodyPr>
+          <a:lstStyle/>
+          <a:p>
+            <a:pPr marL="0" marR="0" lvl="0" indent="0" algn="l" defTabSz="914400" rtl="0" eaLnBrk="1" fontAlgn="base" latinLnBrk="0" hangingPunct="1">
+              <a:lnSpc>
+                <a:spcPct val="100000"/>
+              </a:lnSpc>
+              <a:spcBef>
+                <a:spcPct val="0"/>
+              </a:spcBef>
+              <a:spcAft>
+                <a:spcPct val="0"/>
+              </a:spcAft>
+              <a:buClrTx/>
+              <a:buSzTx/>
+              <a:buFontTx/>
+              <a:buNone/>
+              <a:tabLst/>
+            </a:pPr>
+            <a:r>
+              <a:rPr lang="ru-RU" dirty="0" smtClean="0">
+                <a:ea typeface="Calibri" pitchFamily="34" charset="0"/>
+                <a:cs typeface="Times New Roman" pitchFamily="18" charset="0"/>
+              </a:rPr>
+              <a:t>    </a:t>
+            </a:r>
+            <a:r>
+              <a:rPr kumimoji="0" lang="ru-RU" b="0" i="0" u="none" strike="noStrike" cap="none" normalizeH="0" baseline="0" dirty="0" smtClean="0">
+                <a:ln>
+                  <a:noFill/>
+                </a:ln>
+                <a:solidFill>
+                  <a:schemeClr val="tx1"/>
+                </a:solidFill>
+                <a:effectLst/>
+                <a:ea typeface="Calibri" pitchFamily="34" charset="0"/>
+                <a:cs typeface="Times New Roman" pitchFamily="18" charset="0"/>
+              </a:rPr>
+              <a:t>Количество всевозможных объектов на анализируемом изображении значительно превышает количество искомых объектов. Для ускорения обработки изображения применяются каскады классификаторов. Каждый уровень этого каскада представляет собой классификатор, называемый ансамблем, который состоит из нескольких признаков Хаара. Анализируемый объект поочередно проверяется каждым уровнем каскада, и если на каком-либо уровне ансамбль определяет, что объект не является искомым, то процедура заканчивается и объект помечается как негативный. Если же классификаторы всех уровней определяют этот объект как положительный, то объект считается положительным.</a:t>
+            </a:r>
+            <a:endParaRPr kumimoji="0" lang="ru-RU" b="0" i="0" u="none" strike="noStrike" cap="none" normalizeH="0" baseline="0" dirty="0" smtClean="0">
+              <a:ln>
+                <a:noFill/>
+              </a:ln>
+              <a:solidFill>
+                <a:schemeClr val="tx1"/>
+              </a:solidFill>
+              <a:effectLst/>
+              <a:cs typeface="Arial" pitchFamily="34" charset="0"/>
+            </a:endParaRPr>
           </a:p>
         </p:txBody>
       </p:sp>
@@ -9224,7 +10190,7 @@
 </p:sld>
 </file>
 
-<file path=ppt/slides/slide9.xml><?xml version="1.0" encoding="utf-8"?>
+<file path=ppt/slides/slide8.xml><?xml version="1.0" encoding="utf-8"?>
 <p:sld xmlns:a="http://schemas.openxmlformats.org/drawingml/2006/main" xmlns:r="http://schemas.openxmlformats.org/officeDocument/2006/relationships" xmlns:p="http://schemas.openxmlformats.org/presentationml/2006/main">
   <p:cSld>
     <p:spTree>
@@ -9259,7 +10225,7 @@
             <a:fld id="{7498795A-CFA5-45B7-82FE-35C0C684350C}" type="slidenum">
               <a:rPr lang="ru-RU" smtClean="0"/>
               <a:pPr/>
-              <a:t>9</a:t>
+              <a:t>8</a:t>
             </a:fld>
             <a:endParaRPr lang="ru-RU"/>
           </a:p>
@@ -9282,7 +10248,7 @@
         </p:blipFill>
         <p:spPr bwMode="auto">
           <a:xfrm>
-            <a:off x="395536" y="1412776"/>
+            <a:off x="323528" y="1844824"/>
             <a:ext cx="8472908" cy="2376513"/>
           </a:xfrm>
           <a:prstGeom prst="rect">
@@ -9336,43 +10302,6 @@
           </a:p>
         </p:txBody>
       </p:sp>
-      <p:pic>
-        <p:nvPicPr>
-          <p:cNvPr id="4097" name="Picture 1"/>
-          <p:cNvPicPr>
-            <a:picLocks noChangeAspect="1" noChangeArrowheads="1"/>
-          </p:cNvPicPr>
-          <p:nvPr/>
-        </p:nvPicPr>
-        <p:blipFill>
-          <a:blip r:embed="rId3" cstate="print">
-            <a:clrChange>
-              <a:clrFrom>
-                <a:srgbClr val="FFFFFF"/>
-              </a:clrFrom>
-              <a:clrTo>
-                <a:srgbClr val="FFFFFF">
-                  <a:alpha val="0"/>
-                </a:srgbClr>
-              </a:clrTo>
-            </a:clrChange>
-          </a:blip>
-          <a:srcRect/>
-          <a:stretch>
-            <a:fillRect/>
-          </a:stretch>
-        </p:blipFill>
-        <p:spPr bwMode="auto">
-          <a:xfrm>
-            <a:off x="395536" y="4581128"/>
-            <a:ext cx="2066925" cy="628650"/>
-          </a:xfrm>
-          <a:prstGeom prst="rect">
-            <a:avLst/>
-          </a:prstGeom>
-          <a:noFill/>
-        </p:spPr>
-      </p:pic>
       <p:sp>
         <p:nvSpPr>
           <p:cNvPr id="4099" name="Rectangle 3"/>
@@ -9475,43 +10404,6 @@
           </a:p>
         </p:txBody>
       </p:sp>
-      <p:pic>
-        <p:nvPicPr>
-          <p:cNvPr id="4100" name="Picture 4"/>
-          <p:cNvPicPr>
-            <a:picLocks noChangeAspect="1" noChangeArrowheads="1"/>
-          </p:cNvPicPr>
-          <p:nvPr/>
-        </p:nvPicPr>
-        <p:blipFill>
-          <a:blip r:embed="rId4" cstate="print">
-            <a:clrChange>
-              <a:clrFrom>
-                <a:srgbClr val="FFFFFF"/>
-              </a:clrFrom>
-              <a:clrTo>
-                <a:srgbClr val="FFFFFF">
-                  <a:alpha val="0"/>
-                </a:srgbClr>
-              </a:clrTo>
-            </a:clrChange>
-          </a:blip>
-          <a:srcRect/>
-          <a:stretch>
-            <a:fillRect/>
-          </a:stretch>
-        </p:blipFill>
-        <p:spPr bwMode="auto">
-          <a:xfrm>
-            <a:off x="395536" y="5301208"/>
-            <a:ext cx="885825" cy="285750"/>
-          </a:xfrm>
-          <a:prstGeom prst="rect">
-            <a:avLst/>
-          </a:prstGeom>
-          <a:noFill/>
-        </p:spPr>
-      </p:pic>
       <p:sp>
         <p:nvSpPr>
           <p:cNvPr id="4108" name="Rectangle 12"/>
@@ -9550,43 +10442,6 @@
           </a:p>
         </p:txBody>
       </p:sp>
-      <p:pic>
-        <p:nvPicPr>
-          <p:cNvPr id="4107" name="Picture 11"/>
-          <p:cNvPicPr>
-            <a:picLocks noChangeAspect="1" noChangeArrowheads="1"/>
-          </p:cNvPicPr>
-          <p:nvPr/>
-        </p:nvPicPr>
-        <p:blipFill>
-          <a:blip r:embed="rId5" cstate="print">
-            <a:clrChange>
-              <a:clrFrom>
-                <a:srgbClr val="FFFFFF"/>
-              </a:clrFrom>
-              <a:clrTo>
-                <a:srgbClr val="FFFFFF">
-                  <a:alpha val="0"/>
-                </a:srgbClr>
-              </a:clrTo>
-            </a:clrChange>
-          </a:blip>
-          <a:srcRect/>
-          <a:stretch>
-            <a:fillRect/>
-          </a:stretch>
-        </p:blipFill>
-        <p:spPr bwMode="auto">
-          <a:xfrm>
-            <a:off x="4427984" y="4653136"/>
-            <a:ext cx="1238250" cy="276225"/>
-          </a:xfrm>
-          <a:prstGeom prst="rect">
-            <a:avLst/>
-          </a:prstGeom>
-          <a:noFill/>
-        </p:spPr>
-      </p:pic>
       <p:sp>
         <p:nvSpPr>
           <p:cNvPr id="4109" name="Rectangle 13"/>
@@ -9689,57 +10544,20 @@
           </a:p>
         </p:txBody>
       </p:sp>
-      <p:pic>
-        <p:nvPicPr>
-          <p:cNvPr id="4110" name="Picture 14"/>
-          <p:cNvPicPr>
-            <a:picLocks noChangeAspect="1" noChangeArrowheads="1"/>
-          </p:cNvPicPr>
+      <p:sp>
+        <p:nvSpPr>
+          <p:cNvPr id="21" name="Прямоугольник 20"/>
+          <p:cNvSpPr/>
           <p:nvPr/>
-        </p:nvPicPr>
-        <p:blipFill>
-          <a:blip r:embed="rId6" cstate="print">
-            <a:clrChange>
-              <a:clrFrom>
-                <a:srgbClr val="FFFFFF"/>
-              </a:clrFrom>
-              <a:clrTo>
-                <a:srgbClr val="FFFFFF">
-                  <a:alpha val="0"/>
-                </a:srgbClr>
-              </a:clrTo>
-            </a:clrChange>
-          </a:blip>
-          <a:srcRect/>
-          <a:stretch>
-            <a:fillRect/>
-          </a:stretch>
-        </p:blipFill>
-        <p:spPr bwMode="auto">
-          <a:xfrm>
-            <a:off x="4427984" y="5085184"/>
-            <a:ext cx="1466850" cy="533400"/>
+        </p:nvSpPr>
+        <p:spPr>
+          <a:xfrm>
+            <a:off x="1099045" y="404664"/>
+            <a:ext cx="7173694" cy="1077218"/>
           </a:xfrm>
           <a:prstGeom prst="rect">
             <a:avLst/>
           </a:prstGeom>
-          <a:noFill/>
-        </p:spPr>
-      </p:pic>
-      <p:sp>
-        <p:nvSpPr>
-          <p:cNvPr id="21" name="Прямоугольник 20"/>
-          <p:cNvSpPr/>
-          <p:nvPr/>
-        </p:nvSpPr>
-        <p:spPr>
-          <a:xfrm>
-            <a:off x="-108533" y="620688"/>
-            <a:ext cx="9252533" cy="523220"/>
-          </a:xfrm>
-          <a:prstGeom prst="rect">
-            <a:avLst/>
-          </a:prstGeom>
         </p:spPr>
         <p:txBody>
           <a:bodyPr wrap="none">
@@ -9747,8 +10565,9 @@
           </a:bodyPr>
           <a:lstStyle/>
           <a:p>
-            <a:r>
-              <a:rPr lang="ru-RU" sz="2800" b="1" dirty="0" smtClean="0">
+            <a:pPr algn="ctr"/>
+            <a:r>
+              <a:rPr lang="ru-RU" sz="3200" b="1" dirty="0" smtClean="0">
                 <a:ln w="12700" cmpd="sng">
                   <a:solidFill>
                     <a:schemeClr val="tx1">
@@ -9774,9 +10593,1154 @@
                 <a:latin typeface="Arial" pitchFamily="34" charset="0"/>
                 <a:cs typeface="Arial" pitchFamily="34" charset="0"/>
               </a:rPr>
-              <a:t>Получение точек лица с помощью нейронной сети</a:t>
-            </a:r>
-            <a:endParaRPr lang="ru-RU" sz="2800" dirty="0"/>
+              <a:t>Получение точек лица с помощью</a:t>
+            </a:r>
+          </a:p>
+          <a:p>
+            <a:pPr algn="ctr"/>
+            <a:r>
+              <a:rPr lang="ru-RU" sz="3200" b="1" dirty="0" smtClean="0">
+                <a:ln w="12700" cmpd="sng">
+                  <a:solidFill>
+                    <a:schemeClr val="tx1">
+                      <a:lumMod val="95000"/>
+                      <a:lumOff val="5000"/>
+                    </a:schemeClr>
+                  </a:solidFill>
+                  <a:prstDash val="solid"/>
+                </a:ln>
+                <a:solidFill>
+                  <a:schemeClr val="bg1">
+                    <a:lumMod val="50000"/>
+                  </a:schemeClr>
+                </a:solidFill>
+                <a:effectLst>
+                  <a:outerShdw blurRad="41275" dist="12700" dir="12000000" algn="tl" rotWithShape="0">
+                    <a:srgbClr val="000000">
+                      <a:alpha val="40000"/>
+                    </a:srgbClr>
+                  </a:outerShdw>
+                  <a:reflection blurRad="6350" stA="55000" endA="300" endPos="45500" dir="5400000" sy="-100000" algn="bl" rotWithShape="0"/>
+                </a:effectLst>
+                <a:latin typeface="Arial" pitchFamily="34" charset="0"/>
+                <a:cs typeface="Arial" pitchFamily="34" charset="0"/>
+              </a:rPr>
+              <a:t>сверточной нейронной сети</a:t>
+            </a:r>
+            <a:endParaRPr lang="ru-RU" sz="3200" dirty="0"/>
+          </a:p>
+        </p:txBody>
+      </p:sp>
+      <p:sp>
+        <p:nvSpPr>
+          <p:cNvPr id="15" name="Прямоугольник 14"/>
+          <p:cNvSpPr/>
+          <p:nvPr/>
+        </p:nvSpPr>
+        <p:spPr>
+          <a:xfrm>
+            <a:off x="1259632" y="1556792"/>
+            <a:ext cx="6192688" cy="369332"/>
+          </a:xfrm>
+          <a:prstGeom prst="rect">
+            <a:avLst/>
+          </a:prstGeom>
+        </p:spPr>
+        <p:txBody>
+          <a:bodyPr wrap="square">
+            <a:spAutoFit/>
+          </a:bodyPr>
+          <a:lstStyle/>
+          <a:p>
+            <a:pPr algn="ctr"/>
+            <a:r>
+              <a:rPr lang="ru-RU" b="1" dirty="0" smtClean="0">
+                <a:cs typeface="Times New Roman" pitchFamily="18" charset="0"/>
+              </a:rPr>
+              <a:t>Общая архитектура сверточной нейронной сети</a:t>
+            </a:r>
+            <a:endParaRPr lang="ru-RU" b="1" dirty="0"/>
+          </a:p>
+        </p:txBody>
+      </p:sp>
+      <p:sp>
+        <p:nvSpPr>
+          <p:cNvPr id="17" name="Прямоугольник 16"/>
+          <p:cNvSpPr/>
+          <p:nvPr/>
+        </p:nvSpPr>
+        <p:spPr>
+          <a:xfrm>
+            <a:off x="467544" y="4365104"/>
+            <a:ext cx="8353121" cy="1477328"/>
+          </a:xfrm>
+          <a:prstGeom prst="rect">
+            <a:avLst/>
+          </a:prstGeom>
+        </p:spPr>
+        <p:txBody>
+          <a:bodyPr wrap="none">
+            <a:spAutoFit/>
+          </a:bodyPr>
+          <a:lstStyle/>
+          <a:p>
+            <a:pPr marL="342900" indent="-342900"/>
+            <a:r>
+              <a:rPr lang="ru-RU" dirty="0" smtClean="0"/>
+              <a:t>1. Convolutional</a:t>
+            </a:r>
+            <a:r>
+              <a:rPr lang="en-US" dirty="0" smtClean="0"/>
+              <a:t> – </a:t>
+            </a:r>
+            <a:r>
+              <a:rPr lang="ru-RU" dirty="0" smtClean="0"/>
+              <a:t>формирование карт признаков исходного изображения</a:t>
+            </a:r>
+          </a:p>
+          <a:p>
+            <a:pPr marL="342900" indent="-342900"/>
+            <a:r>
+              <a:rPr lang="ru-RU" dirty="0" smtClean="0"/>
+              <a:t> с помощью небольших ядер</a:t>
+            </a:r>
+          </a:p>
+          <a:p>
+            <a:pPr marL="342900" indent="-342900"/>
+            <a:r>
+              <a:rPr lang="ru-RU" dirty="0" smtClean="0"/>
+              <a:t>2. </a:t>
+            </a:r>
+            <a:r>
+              <a:rPr lang="en-US" dirty="0" smtClean="0"/>
+              <a:t>Pooling</a:t>
+            </a:r>
+            <a:r>
+              <a:rPr lang="ru-RU" dirty="0" smtClean="0"/>
+              <a:t> – уменьшение размерности карты признаков</a:t>
+            </a:r>
+            <a:endParaRPr lang="en-US" dirty="0" smtClean="0"/>
+          </a:p>
+          <a:p>
+            <a:pPr marL="342900" indent="-342900"/>
+            <a:r>
+              <a:rPr lang="ru-RU" dirty="0" smtClean="0"/>
+              <a:t>3. </a:t>
+            </a:r>
+            <a:r>
+              <a:rPr lang="en-US" dirty="0" smtClean="0"/>
+              <a:t>Fully-connected</a:t>
+            </a:r>
+            <a:r>
+              <a:rPr lang="ru-RU" dirty="0" smtClean="0"/>
+              <a:t>– получение обобщенного результата на основе полученных </a:t>
+            </a:r>
+            <a:endParaRPr lang="en-US" dirty="0" smtClean="0"/>
+          </a:p>
+          <a:p>
+            <a:pPr marL="342900" indent="-342900"/>
+            <a:r>
+              <a:rPr lang="ru-RU" dirty="0" smtClean="0"/>
+              <a:t>карт признаков</a:t>
+            </a:r>
+            <a:endParaRPr lang="ru-RU" dirty="0"/>
+          </a:p>
+        </p:txBody>
+      </p:sp>
+    </p:spTree>
+  </p:cSld>
+  <p:clrMapOvr>
+    <a:masterClrMapping/>
+  </p:clrMapOvr>
+</p:sld>
+</file>
+
+<file path=ppt/slides/slide9.xml><?xml version="1.0" encoding="utf-8"?>
+<p:sld xmlns:a="http://schemas.openxmlformats.org/drawingml/2006/main" xmlns:r="http://schemas.openxmlformats.org/officeDocument/2006/relationships" xmlns:p="http://schemas.openxmlformats.org/presentationml/2006/main">
+  <p:cSld>
+    <p:spTree>
+      <p:nvGrpSpPr>
+        <p:cNvPr id="1" name=""/>
+        <p:cNvGrpSpPr/>
+        <p:nvPr/>
+      </p:nvGrpSpPr>
+      <p:grpSpPr>
+        <a:xfrm>
+          <a:off x="0" y="0"/>
+          <a:ext cx="0" cy="0"/>
+          <a:chOff x="0" y="0"/>
+          <a:chExt cx="0" cy="0"/>
+        </a:xfrm>
+      </p:grpSpPr>
+      <p:sp>
+        <p:nvSpPr>
+          <p:cNvPr id="4" name="Номер слайда 3"/>
+          <p:cNvSpPr>
+            <a:spLocks noGrp="1"/>
+          </p:cNvSpPr>
+          <p:nvPr>
+            <p:ph type="sldNum" sz="quarter" idx="12"/>
+          </p:nvPr>
+        </p:nvSpPr>
+        <p:spPr/>
+        <p:txBody>
+          <a:bodyPr/>
+          <a:lstStyle/>
+          <a:p>
+            <a:fld id="{7498795A-CFA5-45B7-82FE-35C0C684350C}" type="slidenum">
+              <a:rPr lang="ru-RU" smtClean="0"/>
+              <a:pPr/>
+              <a:t>9</a:t>
+            </a:fld>
+            <a:endParaRPr lang="ru-RU"/>
+          </a:p>
+        </p:txBody>
+      </p:sp>
+      <p:sp>
+        <p:nvSpPr>
+          <p:cNvPr id="4098" name="Rectangle 2"/>
+          <p:cNvSpPr>
+            <a:spLocks noChangeArrowheads="1"/>
+          </p:cNvSpPr>
+          <p:nvPr/>
+        </p:nvSpPr>
+        <p:spPr bwMode="auto">
+          <a:xfrm>
+            <a:off x="0" y="0"/>
+            <a:ext cx="9144000" cy="457200"/>
+          </a:xfrm>
+          <a:prstGeom prst="rect">
+            <a:avLst/>
+          </a:prstGeom>
+          <a:noFill/>
+          <a:ln w="9525">
+            <a:noFill/>
+            <a:miter lim="800000"/>
+            <a:headEnd/>
+            <a:tailEnd/>
+          </a:ln>
+          <a:effectLst/>
+        </p:spPr>
+        <p:txBody>
+          <a:bodyPr vert="horz" wrap="none" lIns="91440" tIns="45720" rIns="91440" bIns="45720" numCol="1" anchor="ctr" anchorCtr="0" compatLnSpc="1">
+            <a:prstTxWarp prst="textNoShape">
+              <a:avLst/>
+            </a:prstTxWarp>
+            <a:spAutoFit/>
+          </a:bodyPr>
+          <a:lstStyle/>
+          <a:p>
+            <a:endParaRPr lang="ru-RU"/>
+          </a:p>
+        </p:txBody>
+      </p:sp>
+      <p:sp>
+        <p:nvSpPr>
+          <p:cNvPr id="4099" name="Rectangle 3"/>
+          <p:cNvSpPr>
+            <a:spLocks noChangeArrowheads="1"/>
+          </p:cNvSpPr>
+          <p:nvPr/>
+        </p:nvSpPr>
+        <p:spPr bwMode="auto">
+          <a:xfrm>
+            <a:off x="0" y="1085850"/>
+            <a:ext cx="9144000" cy="0"/>
+          </a:xfrm>
+          <a:prstGeom prst="rect">
+            <a:avLst/>
+          </a:prstGeom>
+          <a:noFill/>
+          <a:ln w="9525">
+            <a:noFill/>
+            <a:miter lim="800000"/>
+            <a:headEnd/>
+            <a:tailEnd/>
+          </a:ln>
+          <a:effectLst/>
+        </p:spPr>
+        <p:txBody>
+          <a:bodyPr vert="horz" wrap="none" lIns="91440" tIns="45720" rIns="91440" bIns="45720" numCol="1" anchor="ctr" anchorCtr="0" compatLnSpc="1">
+            <a:prstTxWarp prst="textNoShape">
+              <a:avLst/>
+            </a:prstTxWarp>
+            <a:spAutoFit/>
+          </a:bodyPr>
+          <a:lstStyle/>
+          <a:p>
+            <a:pPr marL="0" marR="0" lvl="0" indent="0" algn="l" defTabSz="914400" rtl="0" eaLnBrk="1" fontAlgn="base" latinLnBrk="0" hangingPunct="1">
+              <a:lnSpc>
+                <a:spcPct val="100000"/>
+              </a:lnSpc>
+              <a:spcBef>
+                <a:spcPct val="0"/>
+              </a:spcBef>
+              <a:spcAft>
+                <a:spcPct val="0"/>
+              </a:spcAft>
+              <a:buClrTx/>
+              <a:buSzTx/>
+              <a:buFontTx/>
+              <a:buNone/>
+              <a:tabLst/>
+            </a:pPr>
+            <a:endParaRPr kumimoji="0" lang="ru-RU" sz="1800" b="0" i="0" u="none" strike="noStrike" cap="none" normalizeH="0" baseline="0" smtClean="0">
+              <a:ln>
+                <a:noFill/>
+              </a:ln>
+              <a:solidFill>
+                <a:schemeClr val="tx1"/>
+              </a:solidFill>
+              <a:effectLst/>
+              <a:latin typeface="Arial" pitchFamily="34" charset="0"/>
+              <a:cs typeface="Arial" pitchFamily="34" charset="0"/>
+            </a:endParaRPr>
+          </a:p>
+        </p:txBody>
+      </p:sp>
+      <p:sp>
+        <p:nvSpPr>
+          <p:cNvPr id="4101" name="Rectangle 5"/>
+          <p:cNvSpPr>
+            <a:spLocks noChangeArrowheads="1"/>
+          </p:cNvSpPr>
+          <p:nvPr/>
+        </p:nvSpPr>
+        <p:spPr bwMode="auto">
+          <a:xfrm>
+            <a:off x="0" y="0"/>
+            <a:ext cx="9144000" cy="0"/>
+          </a:xfrm>
+          <a:prstGeom prst="rect">
+            <a:avLst/>
+          </a:prstGeom>
+          <a:noFill/>
+          <a:ln w="9525">
+            <a:noFill/>
+            <a:miter lim="800000"/>
+            <a:headEnd/>
+            <a:tailEnd/>
+          </a:ln>
+          <a:effectLst/>
+        </p:spPr>
+        <p:txBody>
+          <a:bodyPr vert="horz" wrap="none" lIns="91440" tIns="45720" rIns="91440" bIns="45720" numCol="1" anchor="ctr" anchorCtr="0" compatLnSpc="1">
+            <a:prstTxWarp prst="textNoShape">
+              <a:avLst/>
+            </a:prstTxWarp>
+            <a:spAutoFit/>
+          </a:bodyPr>
+          <a:lstStyle/>
+          <a:p>
+            <a:endParaRPr lang="ru-RU"/>
+          </a:p>
+        </p:txBody>
+      </p:sp>
+      <p:sp>
+        <p:nvSpPr>
+          <p:cNvPr id="4108" name="Rectangle 12"/>
+          <p:cNvSpPr>
+            <a:spLocks noChangeArrowheads="1"/>
+          </p:cNvSpPr>
+          <p:nvPr/>
+        </p:nvSpPr>
+        <p:spPr bwMode="auto">
+          <a:xfrm>
+            <a:off x="0" y="0"/>
+            <a:ext cx="9144000" cy="457200"/>
+          </a:xfrm>
+          <a:prstGeom prst="rect">
+            <a:avLst/>
+          </a:prstGeom>
+          <a:noFill/>
+          <a:ln w="9525">
+            <a:noFill/>
+            <a:miter lim="800000"/>
+            <a:headEnd/>
+            <a:tailEnd/>
+          </a:ln>
+          <a:effectLst/>
+        </p:spPr>
+        <p:txBody>
+          <a:bodyPr vert="horz" wrap="none" lIns="91440" tIns="45720" rIns="91440" bIns="45720" numCol="1" anchor="ctr" anchorCtr="0" compatLnSpc="1">
+            <a:prstTxWarp prst="textNoShape">
+              <a:avLst/>
+            </a:prstTxWarp>
+            <a:spAutoFit/>
+          </a:bodyPr>
+          <a:lstStyle/>
+          <a:p>
+            <a:endParaRPr lang="ru-RU"/>
+          </a:p>
+        </p:txBody>
+      </p:sp>
+      <p:sp>
+        <p:nvSpPr>
+          <p:cNvPr id="4109" name="Rectangle 13"/>
+          <p:cNvSpPr>
+            <a:spLocks noChangeArrowheads="1"/>
+          </p:cNvSpPr>
+          <p:nvPr/>
+        </p:nvSpPr>
+        <p:spPr bwMode="auto">
+          <a:xfrm>
+            <a:off x="677863" y="733425"/>
+            <a:ext cx="9144000" cy="0"/>
+          </a:xfrm>
+          <a:prstGeom prst="rect">
+            <a:avLst/>
+          </a:prstGeom>
+          <a:noFill/>
+          <a:ln w="9525">
+            <a:noFill/>
+            <a:miter lim="800000"/>
+            <a:headEnd/>
+            <a:tailEnd/>
+          </a:ln>
+          <a:effectLst/>
+        </p:spPr>
+        <p:txBody>
+          <a:bodyPr vert="horz" wrap="none" lIns="91440" tIns="45720" rIns="91440" bIns="45720" numCol="1" anchor="ctr" anchorCtr="0" compatLnSpc="1">
+            <a:prstTxWarp prst="textNoShape">
+              <a:avLst/>
+            </a:prstTxWarp>
+            <a:spAutoFit/>
+          </a:bodyPr>
+          <a:lstStyle/>
+          <a:p>
+            <a:pPr marL="0" marR="0" lvl="0" indent="0" algn="l" defTabSz="914400" rtl="0" eaLnBrk="1" fontAlgn="base" latinLnBrk="0" hangingPunct="1">
+              <a:lnSpc>
+                <a:spcPct val="100000"/>
+              </a:lnSpc>
+              <a:spcBef>
+                <a:spcPct val="0"/>
+              </a:spcBef>
+              <a:spcAft>
+                <a:spcPct val="0"/>
+              </a:spcAft>
+              <a:buClrTx/>
+              <a:buSzTx/>
+              <a:buFontTx/>
+              <a:buNone/>
+              <a:tabLst/>
+            </a:pPr>
+            <a:endParaRPr kumimoji="0" lang="ru-RU" sz="1800" b="0" i="0" u="none" strike="noStrike" cap="none" normalizeH="0" baseline="0" smtClean="0">
+              <a:ln>
+                <a:noFill/>
+              </a:ln>
+              <a:solidFill>
+                <a:schemeClr val="tx1"/>
+              </a:solidFill>
+              <a:effectLst/>
+              <a:latin typeface="Arial" pitchFamily="34" charset="0"/>
+              <a:cs typeface="Arial" pitchFamily="34" charset="0"/>
+            </a:endParaRPr>
+          </a:p>
+        </p:txBody>
+      </p:sp>
+      <p:sp>
+        <p:nvSpPr>
+          <p:cNvPr id="4111" name="Rectangle 15"/>
+          <p:cNvSpPr>
+            <a:spLocks noChangeArrowheads="1"/>
+          </p:cNvSpPr>
+          <p:nvPr/>
+        </p:nvSpPr>
+        <p:spPr bwMode="auto">
+          <a:xfrm>
+            <a:off x="0" y="0"/>
+            <a:ext cx="9144000" cy="0"/>
+          </a:xfrm>
+          <a:prstGeom prst="rect">
+            <a:avLst/>
+          </a:prstGeom>
+          <a:noFill/>
+          <a:ln w="9525">
+            <a:noFill/>
+            <a:miter lim="800000"/>
+            <a:headEnd/>
+            <a:tailEnd/>
+          </a:ln>
+          <a:effectLst/>
+        </p:spPr>
+        <p:txBody>
+          <a:bodyPr vert="horz" wrap="none" lIns="91440" tIns="45720" rIns="91440" bIns="45720" numCol="1" anchor="ctr" anchorCtr="0" compatLnSpc="1">
+            <a:prstTxWarp prst="textNoShape">
+              <a:avLst/>
+            </a:prstTxWarp>
+            <a:spAutoFit/>
+          </a:bodyPr>
+          <a:lstStyle/>
+          <a:p>
+            <a:endParaRPr lang="ru-RU"/>
+          </a:p>
+        </p:txBody>
+      </p:sp>
+      <p:sp>
+        <p:nvSpPr>
+          <p:cNvPr id="21" name="Прямоугольник 20"/>
+          <p:cNvSpPr/>
+          <p:nvPr/>
+        </p:nvSpPr>
+        <p:spPr>
+          <a:xfrm>
+            <a:off x="1099045" y="404664"/>
+            <a:ext cx="7173694" cy="1077218"/>
+          </a:xfrm>
+          <a:prstGeom prst="rect">
+            <a:avLst/>
+          </a:prstGeom>
+        </p:spPr>
+        <p:txBody>
+          <a:bodyPr wrap="none">
+            <a:spAutoFit/>
+          </a:bodyPr>
+          <a:lstStyle/>
+          <a:p>
+            <a:pPr algn="ctr"/>
+            <a:r>
+              <a:rPr lang="ru-RU" sz="3200" b="1" dirty="0" smtClean="0">
+                <a:ln w="12700" cmpd="sng">
+                  <a:solidFill>
+                    <a:schemeClr val="tx1">
+                      <a:lumMod val="95000"/>
+                      <a:lumOff val="5000"/>
+                    </a:schemeClr>
+                  </a:solidFill>
+                  <a:prstDash val="solid"/>
+                </a:ln>
+                <a:solidFill>
+                  <a:schemeClr val="bg1">
+                    <a:lumMod val="50000"/>
+                  </a:schemeClr>
+                </a:solidFill>
+                <a:effectLst>
+                  <a:outerShdw blurRad="41275" dist="12700" dir="12000000" algn="tl" rotWithShape="0">
+                    <a:srgbClr val="000000">
+                      <a:alpha val="40000"/>
+                    </a:srgbClr>
+                  </a:outerShdw>
+                  <a:reflection blurRad="6350" stA="55000" endA="300" endPos="45500" dir="5400000" sy="-100000" algn="bl" rotWithShape="0"/>
+                </a:effectLst>
+                <a:latin typeface="Arial" pitchFamily="34" charset="0"/>
+                <a:cs typeface="Arial" pitchFamily="34" charset="0"/>
+              </a:rPr>
+              <a:t>Получение точек лица с помощью</a:t>
+            </a:r>
+          </a:p>
+          <a:p>
+            <a:pPr algn="ctr"/>
+            <a:r>
+              <a:rPr lang="ru-RU" sz="3200" b="1" dirty="0" smtClean="0">
+                <a:ln w="12700" cmpd="sng">
+                  <a:solidFill>
+                    <a:schemeClr val="tx1">
+                      <a:lumMod val="95000"/>
+                      <a:lumOff val="5000"/>
+                    </a:schemeClr>
+                  </a:solidFill>
+                  <a:prstDash val="solid"/>
+                </a:ln>
+                <a:solidFill>
+                  <a:schemeClr val="bg1">
+                    <a:lumMod val="50000"/>
+                  </a:schemeClr>
+                </a:solidFill>
+                <a:effectLst>
+                  <a:outerShdw blurRad="41275" dist="12700" dir="12000000" algn="tl" rotWithShape="0">
+                    <a:srgbClr val="000000">
+                      <a:alpha val="40000"/>
+                    </a:srgbClr>
+                  </a:outerShdw>
+                  <a:reflection blurRad="6350" stA="55000" endA="300" endPos="45500" dir="5400000" sy="-100000" algn="bl" rotWithShape="0"/>
+                </a:effectLst>
+                <a:latin typeface="Arial" pitchFamily="34" charset="0"/>
+                <a:cs typeface="Arial" pitchFamily="34" charset="0"/>
+              </a:rPr>
+              <a:t>сверточной нейронной сети</a:t>
+            </a:r>
+            <a:endParaRPr lang="ru-RU" sz="3200" dirty="0"/>
+          </a:p>
+        </p:txBody>
+      </p:sp>
+      <p:sp>
+        <p:nvSpPr>
+          <p:cNvPr id="16" name="Прямоугольник 15"/>
+          <p:cNvSpPr/>
+          <p:nvPr/>
+        </p:nvSpPr>
+        <p:spPr>
+          <a:xfrm>
+            <a:off x="3275856" y="1484784"/>
+            <a:ext cx="2370649" cy="369332"/>
+          </a:xfrm>
+          <a:prstGeom prst="rect">
+            <a:avLst/>
+          </a:prstGeom>
+        </p:spPr>
+        <p:txBody>
+          <a:bodyPr wrap="none">
+            <a:spAutoFit/>
+          </a:bodyPr>
+          <a:lstStyle/>
+          <a:p>
+            <a:r>
+              <a:rPr lang="ru-RU" b="1" dirty="0" smtClean="0"/>
+              <a:t>Convolutional </a:t>
+            </a:r>
+            <a:r>
+              <a:rPr lang="en-US" b="1" dirty="0" smtClean="0"/>
+              <a:t>layer </a:t>
+            </a:r>
+            <a:endParaRPr lang="ru-RU" b="1" dirty="0"/>
+          </a:p>
+        </p:txBody>
+      </p:sp>
+      <p:sp>
+        <p:nvSpPr>
+          <p:cNvPr id="26626" name="Rectangle 2"/>
+          <p:cNvSpPr>
+            <a:spLocks noChangeArrowheads="1"/>
+          </p:cNvSpPr>
+          <p:nvPr/>
+        </p:nvSpPr>
+        <p:spPr bwMode="auto">
+          <a:xfrm>
+            <a:off x="0" y="0"/>
+            <a:ext cx="9144000" cy="0"/>
+          </a:xfrm>
+          <a:prstGeom prst="rect">
+            <a:avLst/>
+          </a:prstGeom>
+          <a:noFill/>
+          <a:ln w="9525">
+            <a:noFill/>
+            <a:miter lim="800000"/>
+            <a:headEnd/>
+            <a:tailEnd/>
+          </a:ln>
+          <a:effectLst/>
+        </p:spPr>
+        <p:txBody>
+          <a:bodyPr vert="horz" wrap="none" lIns="91440" tIns="45720" rIns="91440" bIns="45720" numCol="1" anchor="ctr" anchorCtr="0" compatLnSpc="1">
+            <a:prstTxWarp prst="textNoShape">
+              <a:avLst/>
+            </a:prstTxWarp>
+            <a:spAutoFit/>
+          </a:bodyPr>
+          <a:lstStyle/>
+          <a:p>
+            <a:endParaRPr lang="ru-RU"/>
+          </a:p>
+        </p:txBody>
+      </p:sp>
+      <p:pic>
+        <p:nvPicPr>
+          <p:cNvPr id="26625" name="Picture 1"/>
+          <p:cNvPicPr>
+            <a:picLocks noChangeAspect="1" noChangeArrowheads="1"/>
+          </p:cNvPicPr>
+          <p:nvPr/>
+        </p:nvPicPr>
+        <p:blipFill>
+          <a:blip r:embed="rId2" cstate="print">
+            <a:clrChange>
+              <a:clrFrom>
+                <a:srgbClr val="FFFFFF"/>
+              </a:clrFrom>
+              <a:clrTo>
+                <a:srgbClr val="FFFFFF">
+                  <a:alpha val="0"/>
+                </a:srgbClr>
+              </a:clrTo>
+            </a:clrChange>
+          </a:blip>
+          <a:srcRect/>
+          <a:stretch>
+            <a:fillRect/>
+          </a:stretch>
+        </p:blipFill>
+        <p:spPr bwMode="auto">
+          <a:xfrm>
+            <a:off x="3347864" y="2132856"/>
+            <a:ext cx="2381250" cy="304800"/>
+          </a:xfrm>
+          <a:prstGeom prst="rect">
+            <a:avLst/>
+          </a:prstGeom>
+          <a:noFill/>
+        </p:spPr>
+      </p:pic>
+      <p:sp>
+        <p:nvSpPr>
+          <p:cNvPr id="49" name="Прямоугольник 48"/>
+          <p:cNvSpPr/>
+          <p:nvPr/>
+        </p:nvSpPr>
+        <p:spPr>
+          <a:xfrm>
+            <a:off x="971600" y="2492896"/>
+            <a:ext cx="7395230" cy="1200329"/>
+          </a:xfrm>
+          <a:prstGeom prst="rect">
+            <a:avLst/>
+          </a:prstGeom>
+        </p:spPr>
+        <p:txBody>
+          <a:bodyPr wrap="none">
+            <a:spAutoFit/>
+          </a:bodyPr>
+          <a:lstStyle/>
+          <a:p>
+            <a:r>
+              <a:rPr lang="ru-RU" dirty="0" smtClean="0"/>
+              <a:t>где </a:t>
+            </a:r>
+            <a:r>
+              <a:rPr lang="en-US" i="1" dirty="0" smtClean="0"/>
+              <a:t>x</a:t>
+            </a:r>
+            <a:r>
+              <a:rPr lang="en-US" i="1" baseline="30000" dirty="0" smtClean="0"/>
+              <a:t>l</a:t>
+            </a:r>
+            <a:r>
+              <a:rPr lang="en-US" dirty="0" smtClean="0"/>
+              <a:t> </a:t>
+            </a:r>
+            <a:r>
+              <a:rPr lang="ru-RU" dirty="0" smtClean="0"/>
+              <a:t>выход слоя</a:t>
+            </a:r>
+            <a:r>
+              <a:rPr lang="en-US" dirty="0" smtClean="0"/>
+              <a:t> </a:t>
+            </a:r>
+            <a:r>
+              <a:rPr lang="en-US" i="1" dirty="0" smtClean="0"/>
+              <a:t>l, f(.) </a:t>
+            </a:r>
+            <a:r>
+              <a:rPr lang="en-US" dirty="0" smtClean="0"/>
+              <a:t>– </a:t>
+            </a:r>
+            <a:r>
+              <a:rPr lang="ru-RU" dirty="0" smtClean="0"/>
+              <a:t>функция активации, </a:t>
+            </a:r>
+            <a:r>
+              <a:rPr lang="en-US" i="1" dirty="0" err="1" smtClean="0"/>
+              <a:t>b</a:t>
+            </a:r>
+            <a:r>
+              <a:rPr lang="en-US" i="1" baseline="30000" dirty="0" err="1" smtClean="0"/>
+              <a:t>l</a:t>
+            </a:r>
+            <a:r>
+              <a:rPr lang="en-US" dirty="0" smtClean="0"/>
+              <a:t> </a:t>
+            </a:r>
+            <a:r>
+              <a:rPr lang="ru-RU" dirty="0" smtClean="0"/>
+              <a:t>коэффициент сдвига, </a:t>
+            </a:r>
+          </a:p>
+          <a:p>
+            <a:r>
+              <a:rPr lang="en-US" i="1" dirty="0" smtClean="0"/>
+              <a:t>x</a:t>
+            </a:r>
+            <a:r>
+              <a:rPr lang="en-US" i="1" baseline="30000" dirty="0" smtClean="0">
+                <a:latin typeface="Times New Roman" pitchFamily="18" charset="0"/>
+                <a:cs typeface="Times New Roman" pitchFamily="18" charset="0"/>
+              </a:rPr>
+              <a:t>l-1</a:t>
+            </a:r>
+            <a:r>
+              <a:rPr lang="ru-RU" dirty="0" smtClean="0"/>
+              <a:t> вход для текущего слоя</a:t>
+            </a:r>
+            <a:r>
+              <a:rPr lang="en-US" dirty="0" smtClean="0"/>
+              <a:t>, </a:t>
+            </a:r>
+            <a:r>
+              <a:rPr lang="en-US" i="1" dirty="0" err="1" smtClean="0"/>
+              <a:t>k</a:t>
+            </a:r>
+            <a:r>
+              <a:rPr lang="en-US" i="1" baseline="30000" dirty="0" err="1" smtClean="0"/>
+              <a:t>l</a:t>
+            </a:r>
+            <a:r>
+              <a:rPr lang="en-US" dirty="0" smtClean="0"/>
+              <a:t> </a:t>
+            </a:r>
+            <a:r>
+              <a:rPr lang="ru-RU" dirty="0" smtClean="0"/>
+              <a:t>ядро свертки</a:t>
+            </a:r>
+          </a:p>
+          <a:p>
+            <a:endParaRPr lang="ru-RU" dirty="0" smtClean="0"/>
+          </a:p>
+          <a:p>
+            <a:endParaRPr lang="ru-RU" i="1" dirty="0"/>
+          </a:p>
+        </p:txBody>
+      </p:sp>
+      <p:sp>
+        <p:nvSpPr>
+          <p:cNvPr id="26654" name="Rectangle 30"/>
+          <p:cNvSpPr>
+            <a:spLocks noChangeArrowheads="1"/>
+          </p:cNvSpPr>
+          <p:nvPr/>
+        </p:nvSpPr>
+        <p:spPr bwMode="auto">
+          <a:xfrm>
+            <a:off x="0" y="0"/>
+            <a:ext cx="9144000" cy="0"/>
+          </a:xfrm>
+          <a:prstGeom prst="rect">
+            <a:avLst/>
+          </a:prstGeom>
+          <a:noFill/>
+          <a:ln w="9525">
+            <a:noFill/>
+            <a:miter lim="800000"/>
+            <a:headEnd/>
+            <a:tailEnd/>
+          </a:ln>
+          <a:effectLst/>
+        </p:spPr>
+        <p:txBody>
+          <a:bodyPr vert="horz" wrap="none" lIns="91440" tIns="45720" rIns="91440" bIns="45720" numCol="1" anchor="ctr" anchorCtr="0" compatLnSpc="1">
+            <a:prstTxWarp prst="textNoShape">
+              <a:avLst/>
+            </a:prstTxWarp>
+            <a:spAutoFit/>
+          </a:bodyPr>
+          <a:lstStyle/>
+          <a:p>
+            <a:endParaRPr lang="ru-RU"/>
+          </a:p>
+        </p:txBody>
+      </p:sp>
+      <p:sp>
+        <p:nvSpPr>
+          <p:cNvPr id="55" name="Прямоугольник 54"/>
+          <p:cNvSpPr/>
+          <p:nvPr/>
+        </p:nvSpPr>
+        <p:spPr>
+          <a:xfrm>
+            <a:off x="971600" y="3429000"/>
+            <a:ext cx="5393336" cy="369332"/>
+          </a:xfrm>
+          <a:prstGeom prst="rect">
+            <a:avLst/>
+          </a:prstGeom>
+        </p:spPr>
+        <p:txBody>
+          <a:bodyPr wrap="none">
+            <a:spAutoFit/>
+          </a:bodyPr>
+          <a:lstStyle/>
+          <a:p>
+            <a:r>
+              <a:rPr lang="ru-RU" dirty="0" smtClean="0"/>
+              <a:t> символом * обозначена операция свертки входа </a:t>
+            </a:r>
+            <a:endParaRPr lang="ru-RU" dirty="0"/>
+          </a:p>
+        </p:txBody>
+      </p:sp>
+      <p:sp>
+        <p:nvSpPr>
+          <p:cNvPr id="26656" name="Rectangle 32"/>
+          <p:cNvSpPr>
+            <a:spLocks noChangeArrowheads="1"/>
+          </p:cNvSpPr>
+          <p:nvPr/>
+        </p:nvSpPr>
+        <p:spPr bwMode="auto">
+          <a:xfrm>
+            <a:off x="0" y="0"/>
+            <a:ext cx="9144000" cy="0"/>
+          </a:xfrm>
+          <a:prstGeom prst="rect">
+            <a:avLst/>
+          </a:prstGeom>
+          <a:noFill/>
+          <a:ln w="9525">
+            <a:noFill/>
+            <a:miter lim="800000"/>
+            <a:headEnd/>
+            <a:tailEnd/>
+          </a:ln>
+          <a:effectLst/>
+        </p:spPr>
+        <p:txBody>
+          <a:bodyPr vert="horz" wrap="none" lIns="91440" tIns="45720" rIns="91440" bIns="45720" numCol="1" anchor="ctr" anchorCtr="0" compatLnSpc="1">
+            <a:prstTxWarp prst="textNoShape">
+              <a:avLst/>
+            </a:prstTxWarp>
+            <a:spAutoFit/>
+          </a:bodyPr>
+          <a:lstStyle/>
+          <a:p>
+            <a:endParaRPr lang="ru-RU"/>
+          </a:p>
+        </p:txBody>
+      </p:sp>
+      <p:sp>
+        <p:nvSpPr>
+          <p:cNvPr id="26659" name="Rectangle 35"/>
+          <p:cNvSpPr>
+            <a:spLocks noChangeArrowheads="1"/>
+          </p:cNvSpPr>
+          <p:nvPr/>
+        </p:nvSpPr>
+        <p:spPr bwMode="auto">
+          <a:xfrm>
+            <a:off x="0" y="0"/>
+            <a:ext cx="9144000" cy="0"/>
+          </a:xfrm>
+          <a:prstGeom prst="rect">
+            <a:avLst/>
+          </a:prstGeom>
+          <a:noFill/>
+          <a:ln w="9525">
+            <a:noFill/>
+            <a:miter lim="800000"/>
+            <a:headEnd/>
+            <a:tailEnd/>
+          </a:ln>
+          <a:effectLst/>
+        </p:spPr>
+        <p:txBody>
+          <a:bodyPr vert="horz" wrap="none" lIns="91440" tIns="45720" rIns="91440" bIns="45720" numCol="1" anchor="ctr" anchorCtr="0" compatLnSpc="1">
+            <a:prstTxWarp prst="textNoShape">
+              <a:avLst/>
+            </a:prstTxWarp>
+            <a:spAutoFit/>
+          </a:bodyPr>
+          <a:lstStyle/>
+          <a:p>
+            <a:endParaRPr lang="ru-RU"/>
+          </a:p>
+        </p:txBody>
+      </p:sp>
+      <p:sp>
+        <p:nvSpPr>
+          <p:cNvPr id="26663" name="Rectangle 39"/>
+          <p:cNvSpPr>
+            <a:spLocks noChangeArrowheads="1"/>
+          </p:cNvSpPr>
+          <p:nvPr/>
+        </p:nvSpPr>
+        <p:spPr bwMode="auto">
+          <a:xfrm>
+            <a:off x="0" y="0"/>
+            <a:ext cx="9144000" cy="0"/>
+          </a:xfrm>
+          <a:prstGeom prst="rect">
+            <a:avLst/>
+          </a:prstGeom>
+          <a:noFill/>
+          <a:ln w="9525">
+            <a:noFill/>
+            <a:miter lim="800000"/>
+            <a:headEnd/>
+            <a:tailEnd/>
+          </a:ln>
+          <a:effectLst/>
+        </p:spPr>
+        <p:txBody>
+          <a:bodyPr vert="horz" wrap="none" lIns="91440" tIns="45720" rIns="91440" bIns="45720" numCol="1" anchor="ctr" anchorCtr="0" compatLnSpc="1">
+            <a:prstTxWarp prst="textNoShape">
+              <a:avLst/>
+            </a:prstTxWarp>
+            <a:spAutoFit/>
+          </a:bodyPr>
+          <a:lstStyle/>
+          <a:p>
+            <a:endParaRPr lang="ru-RU"/>
+          </a:p>
+        </p:txBody>
+      </p:sp>
+      <p:sp>
+        <p:nvSpPr>
+          <p:cNvPr id="26665" name="Rectangle 41"/>
+          <p:cNvSpPr>
+            <a:spLocks noChangeArrowheads="1"/>
+          </p:cNvSpPr>
+          <p:nvPr/>
+        </p:nvSpPr>
+        <p:spPr bwMode="auto">
+          <a:xfrm>
+            <a:off x="0" y="0"/>
+            <a:ext cx="9144000" cy="0"/>
+          </a:xfrm>
+          <a:prstGeom prst="rect">
+            <a:avLst/>
+          </a:prstGeom>
+          <a:noFill/>
+          <a:ln w="9525">
+            <a:noFill/>
+            <a:miter lim="800000"/>
+            <a:headEnd/>
+            <a:tailEnd/>
+          </a:ln>
+          <a:effectLst/>
+        </p:spPr>
+        <p:txBody>
+          <a:bodyPr vert="horz" wrap="none" lIns="91440" tIns="45720" rIns="91440" bIns="45720" numCol="1" anchor="ctr" anchorCtr="0" compatLnSpc="1">
+            <a:prstTxWarp prst="textNoShape">
+              <a:avLst/>
+            </a:prstTxWarp>
+            <a:spAutoFit/>
+          </a:bodyPr>
+          <a:lstStyle/>
+          <a:p>
+            <a:endParaRPr lang="ru-RU"/>
+          </a:p>
+        </p:txBody>
+      </p:sp>
+      <p:pic>
+        <p:nvPicPr>
+          <p:cNvPr id="26664" name="Picture 40"/>
+          <p:cNvPicPr>
+            <a:picLocks noChangeAspect="1" noChangeArrowheads="1"/>
+          </p:cNvPicPr>
+          <p:nvPr/>
+        </p:nvPicPr>
+        <p:blipFill>
+          <a:blip r:embed="rId3" cstate="print">
+            <a:clrChange>
+              <a:clrFrom>
+                <a:srgbClr val="FFFFFF"/>
+              </a:clrFrom>
+              <a:clrTo>
+                <a:srgbClr val="FFFFFF">
+                  <a:alpha val="0"/>
+                </a:srgbClr>
+              </a:clrTo>
+            </a:clrChange>
+          </a:blip>
+          <a:srcRect/>
+          <a:stretch>
+            <a:fillRect/>
+          </a:stretch>
+        </p:blipFill>
+        <p:spPr bwMode="auto">
+          <a:xfrm>
+            <a:off x="2483768" y="3861048"/>
+            <a:ext cx="4176464" cy="649865"/>
+          </a:xfrm>
+          <a:prstGeom prst="rect">
+            <a:avLst/>
+          </a:prstGeom>
+          <a:noFill/>
+        </p:spPr>
+      </p:pic>
+      <p:sp>
+        <p:nvSpPr>
+          <p:cNvPr id="72" name="Прямоугольник 71"/>
+          <p:cNvSpPr/>
+          <p:nvPr/>
+        </p:nvSpPr>
+        <p:spPr>
+          <a:xfrm>
+            <a:off x="971600" y="4725144"/>
+            <a:ext cx="6282746" cy="646331"/>
+          </a:xfrm>
+          <a:prstGeom prst="rect">
+            <a:avLst/>
+          </a:prstGeom>
+        </p:spPr>
+        <p:txBody>
+          <a:bodyPr wrap="none">
+            <a:spAutoFit/>
+          </a:bodyPr>
+          <a:lstStyle/>
+          <a:p>
+            <a:r>
+              <a:rPr lang="ru-RU" dirty="0" smtClean="0"/>
+              <a:t>где </a:t>
+            </a:r>
+            <a:r>
+              <a:rPr lang="en-US" dirty="0" smtClean="0"/>
+              <a:t>(</a:t>
+            </a:r>
+            <a:r>
+              <a:rPr lang="en-US" dirty="0" err="1" smtClean="0"/>
+              <a:t>m,n</a:t>
+            </a:r>
+            <a:r>
+              <a:rPr lang="en-US" dirty="0" smtClean="0"/>
+              <a:t>) – </a:t>
+            </a:r>
+            <a:r>
+              <a:rPr lang="ru-RU" dirty="0" smtClean="0"/>
+              <a:t>центр обрабатываемого участка изображения</a:t>
+            </a:r>
+            <a:r>
+              <a:rPr lang="en-US" dirty="0" smtClean="0"/>
+              <a:t>, </a:t>
+            </a:r>
+            <a:endParaRPr lang="ru-RU" dirty="0" smtClean="0"/>
+          </a:p>
+          <a:p>
+            <a:r>
+              <a:rPr lang="en-US" dirty="0" smtClean="0"/>
+              <a:t>(I, J) – </a:t>
+            </a:r>
+            <a:r>
+              <a:rPr lang="ru-RU" dirty="0" smtClean="0"/>
+              <a:t>размерность ядра свертки</a:t>
+            </a:r>
+            <a:endParaRPr lang="ru-RU" dirty="0"/>
+          </a:p>
+        </p:txBody>
+      </p:sp>
+      <p:sp>
+        <p:nvSpPr>
+          <p:cNvPr id="26667" name="Rectangle 43"/>
+          <p:cNvSpPr>
+            <a:spLocks noChangeArrowheads="1"/>
+          </p:cNvSpPr>
+          <p:nvPr/>
+        </p:nvSpPr>
+        <p:spPr bwMode="auto">
+          <a:xfrm>
+            <a:off x="0" y="0"/>
+            <a:ext cx="9144000" cy="0"/>
+          </a:xfrm>
+          <a:prstGeom prst="rect">
+            <a:avLst/>
+          </a:prstGeom>
+          <a:noFill/>
+          <a:ln w="9525">
+            <a:noFill/>
+            <a:miter lim="800000"/>
+            <a:headEnd/>
+            <a:tailEnd/>
+          </a:ln>
+          <a:effectLst/>
+        </p:spPr>
+        <p:txBody>
+          <a:bodyPr vert="horz" wrap="none" lIns="91440" tIns="45720" rIns="91440" bIns="45720" numCol="1" anchor="ctr" anchorCtr="0" compatLnSpc="1">
+            <a:prstTxWarp prst="textNoShape">
+              <a:avLst/>
+            </a:prstTxWarp>
+            <a:spAutoFit/>
+          </a:bodyPr>
+          <a:lstStyle/>
+          <a:p>
+            <a:endParaRPr lang="ru-RU"/>
           </a:p>
         </p:txBody>
       </p:sp>
